--- a/doc/Prototype presentaion.pptx
+++ b/doc/Prototype presentaion.pptx
@@ -2,7 +2,7 @@
 <file path=ppt/presentation.xml><?xml version="1.0" encoding="utf-8"?>
 <p:presentation xmlns:a="http://schemas.openxmlformats.org/drawingml/2006/main" xmlns:r="http://schemas.openxmlformats.org/officeDocument/2006/relationships" xmlns:p="http://schemas.openxmlformats.org/presentationml/2006/main" saveSubsetFonts="1">
   <p:sldMasterIdLst>
-    <p:sldMasterId id="2147483648" r:id="rId1"/>
+    <p:sldMasterId id="2147483696" r:id="rId1"/>
   </p:sldMasterIdLst>
   <p:sldIdLst>
     <p:sldId id="256" r:id="rId2"/>
@@ -15,7 +15,7 @@
     <a:defPPr>
       <a:defRPr lang="en-US"/>
     </a:defPPr>
-    <a:lvl1pPr marL="0" algn="l" defTabSz="914400" rtl="0" eaLnBrk="1" latinLnBrk="0" hangingPunct="1">
+    <a:lvl1pPr marL="0" algn="l" defTabSz="457200" rtl="0" eaLnBrk="1" latinLnBrk="0" hangingPunct="1">
       <a:defRPr sz="1800" kern="1200">
         <a:solidFill>
           <a:schemeClr val="tx1"/>
@@ -25,7 +25,7 @@
         <a:cs typeface="+mn-cs"/>
       </a:defRPr>
     </a:lvl1pPr>
-    <a:lvl2pPr marL="457200" algn="l" defTabSz="914400" rtl="0" eaLnBrk="1" latinLnBrk="0" hangingPunct="1">
+    <a:lvl2pPr marL="457200" algn="l" defTabSz="457200" rtl="0" eaLnBrk="1" latinLnBrk="0" hangingPunct="1">
       <a:defRPr sz="1800" kern="1200">
         <a:solidFill>
           <a:schemeClr val="tx1"/>
@@ -35,7 +35,7 @@
         <a:cs typeface="+mn-cs"/>
       </a:defRPr>
     </a:lvl2pPr>
-    <a:lvl3pPr marL="914400" algn="l" defTabSz="914400" rtl="0" eaLnBrk="1" latinLnBrk="0" hangingPunct="1">
+    <a:lvl3pPr marL="914400" algn="l" defTabSz="457200" rtl="0" eaLnBrk="1" latinLnBrk="0" hangingPunct="1">
       <a:defRPr sz="1800" kern="1200">
         <a:solidFill>
           <a:schemeClr val="tx1"/>
@@ -45,7 +45,7 @@
         <a:cs typeface="+mn-cs"/>
       </a:defRPr>
     </a:lvl3pPr>
-    <a:lvl4pPr marL="1371600" algn="l" defTabSz="914400" rtl="0" eaLnBrk="1" latinLnBrk="0" hangingPunct="1">
+    <a:lvl4pPr marL="1371600" algn="l" defTabSz="457200" rtl="0" eaLnBrk="1" latinLnBrk="0" hangingPunct="1">
       <a:defRPr sz="1800" kern="1200">
         <a:solidFill>
           <a:schemeClr val="tx1"/>
@@ -55,7 +55,7 @@
         <a:cs typeface="+mn-cs"/>
       </a:defRPr>
     </a:lvl4pPr>
-    <a:lvl5pPr marL="1828800" algn="l" defTabSz="914400" rtl="0" eaLnBrk="1" latinLnBrk="0" hangingPunct="1">
+    <a:lvl5pPr marL="1828800" algn="l" defTabSz="457200" rtl="0" eaLnBrk="1" latinLnBrk="0" hangingPunct="1">
       <a:defRPr sz="1800" kern="1200">
         <a:solidFill>
           <a:schemeClr val="tx1"/>
@@ -65,7 +65,7 @@
         <a:cs typeface="+mn-cs"/>
       </a:defRPr>
     </a:lvl5pPr>
-    <a:lvl6pPr marL="2286000" algn="l" defTabSz="914400" rtl="0" eaLnBrk="1" latinLnBrk="0" hangingPunct="1">
+    <a:lvl6pPr marL="2286000" algn="l" defTabSz="457200" rtl="0" eaLnBrk="1" latinLnBrk="0" hangingPunct="1">
       <a:defRPr sz="1800" kern="1200">
         <a:solidFill>
           <a:schemeClr val="tx1"/>
@@ -75,7 +75,7 @@
         <a:cs typeface="+mn-cs"/>
       </a:defRPr>
     </a:lvl6pPr>
-    <a:lvl7pPr marL="2743200" algn="l" defTabSz="914400" rtl="0" eaLnBrk="1" latinLnBrk="0" hangingPunct="1">
+    <a:lvl7pPr marL="2743200" algn="l" defTabSz="457200" rtl="0" eaLnBrk="1" latinLnBrk="0" hangingPunct="1">
       <a:defRPr sz="1800" kern="1200">
         <a:solidFill>
           <a:schemeClr val="tx1"/>
@@ -85,7 +85,7 @@
         <a:cs typeface="+mn-cs"/>
       </a:defRPr>
     </a:lvl7pPr>
-    <a:lvl8pPr marL="3200400" algn="l" defTabSz="914400" rtl="0" eaLnBrk="1" latinLnBrk="0" hangingPunct="1">
+    <a:lvl8pPr marL="3200400" algn="l" defTabSz="457200" rtl="0" eaLnBrk="1" latinLnBrk="0" hangingPunct="1">
       <a:defRPr sz="1800" kern="1200">
         <a:solidFill>
           <a:schemeClr val="tx1"/>
@@ -95,7 +95,7 @@
         <a:cs typeface="+mn-cs"/>
       </a:defRPr>
     </a:lvl8pPr>
-    <a:lvl9pPr marL="3657600" algn="l" defTabSz="914400" rtl="0" eaLnBrk="1" latinLnBrk="0" hangingPunct="1">
+    <a:lvl9pPr marL="3657600" algn="l" defTabSz="457200" rtl="0" eaLnBrk="1" latinLnBrk="0" hangingPunct="1">
       <a:defRPr sz="1800" kern="1200">
         <a:solidFill>
           <a:schemeClr val="tx1"/>
@@ -126,6 +126,14 @@
 <file path=ppt/slideLayouts/slideLayout1.xml><?xml version="1.0" encoding="utf-8"?>
 <p:sldLayout xmlns:a="http://schemas.openxmlformats.org/drawingml/2006/main" xmlns:r="http://schemas.openxmlformats.org/officeDocument/2006/relationships" xmlns:p="http://schemas.openxmlformats.org/presentationml/2006/main" type="title" preserve="1">
   <p:cSld name="Title Slide">
+    <p:bg>
+      <p:bgPr>
+        <a:solidFill>
+          <a:schemeClr val="accent2"/>
+        </a:solidFill>
+        <a:effectLst/>
+      </p:bgPr>
+    </p:bg>
     <p:spTree>
       <p:nvGrpSpPr>
         <p:cNvPr id="1" name=""/>
@@ -142,69 +150,82 @@
       </p:grpSpPr>
       <p:sp>
         <p:nvSpPr>
-          <p:cNvPr id="2" name="Title 1">
-            <a:extLst>
-              <a:ext uri="{FF2B5EF4-FFF2-40B4-BE49-F238E27FC236}">
-                <a16:creationId xmlns:a16="http://schemas.microsoft.com/office/drawing/2014/main" id="{139D4DAB-7D24-FBA8-6643-9069EB8CD887}"/>
-              </a:ext>
-            </a:extLst>
-          </p:cNvPr>
+          <p:cNvPr id="2" name="Title 1"/>
           <p:cNvSpPr>
             <a:spLocks noGrp="1"/>
           </p:cNvSpPr>
           <p:nvPr>
             <p:ph type="ctrTitle"/>
+          </p:nvPr>
+        </p:nvSpPr>
+        <p:spPr bwMode="blackWhite">
+          <a:xfrm>
+            <a:off x="1600200" y="2386744"/>
+            <a:ext cx="8991600" cy="1645920"/>
+          </a:xfrm>
+          <a:solidFill>
+            <a:srgbClr val="FFFFFF"/>
+          </a:solidFill>
+          <a:ln w="38100">
+            <a:solidFill>
+              <a:srgbClr val="404040"/>
+            </a:solidFill>
+          </a:ln>
+        </p:spPr>
+        <p:txBody>
+          <a:bodyPr lIns="274320" rIns="274320" anchor="ctr" anchorCtr="1">
+            <a:normAutofit/>
+          </a:bodyPr>
+          <a:lstStyle>
+            <a:lvl1pPr algn="ctr">
+              <a:defRPr sz="3800">
+                <a:solidFill>
+                  <a:srgbClr val="262626"/>
+                </a:solidFill>
+              </a:defRPr>
+            </a:lvl1pPr>
+          </a:lstStyle>
+          <a:p>
+            <a:r>
+              <a:rPr lang="en-US"/>
+              <a:t>Click to edit Master title style</a:t>
+            </a:r>
+            <a:endParaRPr lang="en-US" dirty="0"/>
+          </a:p>
+        </p:txBody>
+      </p:sp>
+      <p:sp>
+        <p:nvSpPr>
+          <p:cNvPr id="3" name="Subtitle 2"/>
+          <p:cNvSpPr>
+            <a:spLocks noGrp="1"/>
+          </p:cNvSpPr>
+          <p:nvPr>
+            <p:ph type="subTitle" idx="1"/>
           </p:nvPr>
         </p:nvSpPr>
         <p:spPr>
           <a:xfrm>
-            <a:off x="1524000" y="1122363"/>
-            <a:ext cx="9144000" cy="2387600"/>
+            <a:off x="2695194" y="4352544"/>
+            <a:ext cx="6801612" cy="1239894"/>
           </a:xfrm>
+          <a:noFill/>
         </p:spPr>
         <p:txBody>
-          <a:bodyPr anchor="b"/>
-          <a:lstStyle>
-            <a:lvl1pPr algn="ctr">
-              <a:defRPr sz="6000"/>
-            </a:lvl1pPr>
-          </a:lstStyle>
-          <a:p>
-            <a:r>
-              <a:rPr lang="en-US"/>
-              <a:t>Click to edit Master title style</a:t>
-            </a:r>
-          </a:p>
-        </p:txBody>
-      </p:sp>
-      <p:sp>
-        <p:nvSpPr>
-          <p:cNvPr id="3" name="Subtitle 2">
-            <a:extLst>
-              <a:ext uri="{FF2B5EF4-FFF2-40B4-BE49-F238E27FC236}">
-                <a16:creationId xmlns:a16="http://schemas.microsoft.com/office/drawing/2014/main" id="{F8FD3498-32C0-F8E3-E2D0-D9972AC7B043}"/>
-              </a:ext>
-            </a:extLst>
-          </p:cNvPr>
-          <p:cNvSpPr>
-            <a:spLocks noGrp="1"/>
-          </p:cNvSpPr>
-          <p:nvPr>
-            <p:ph type="subTitle" idx="1"/>
-          </p:nvPr>
-        </p:nvSpPr>
-        <p:spPr>
-          <a:xfrm>
-            <a:off x="1524000" y="3602038"/>
-            <a:ext cx="9144000" cy="1655762"/>
-          </a:xfrm>
-        </p:spPr>
-        <p:txBody>
-          <a:bodyPr/>
+          <a:bodyPr>
+            <a:normAutofit/>
+          </a:bodyPr>
           <a:lstStyle>
             <a:lvl1pPr marL="0" indent="0" algn="ctr">
               <a:buNone/>
-              <a:defRPr sz="2400"/>
+              <a:defRPr sz="2000">
+                <a:solidFill>
+                  <a:schemeClr val="tx1">
+                    <a:lumMod val="75000"/>
+                    <a:lumOff val="25000"/>
+                  </a:schemeClr>
+                </a:solidFill>
+              </a:defRPr>
             </a:lvl1pPr>
             <a:lvl2pPr marL="457200" indent="0" algn="ctr">
               <a:buNone/>
@@ -244,18 +265,13 @@
               <a:rPr lang="en-US"/>
               <a:t>Click to edit Master subtitle style</a:t>
             </a:r>
-          </a:p>
-        </p:txBody>
-      </p:sp>
-      <p:sp>
-        <p:nvSpPr>
-          <p:cNvPr id="4" name="Date Placeholder 3">
-            <a:extLst>
-              <a:ext uri="{FF2B5EF4-FFF2-40B4-BE49-F238E27FC236}">
-                <a16:creationId xmlns:a16="http://schemas.microsoft.com/office/drawing/2014/main" id="{D7D19D05-B431-426D-96D1-9B5CEE48DAF1}"/>
-              </a:ext>
-            </a:extLst>
-          </p:cNvPr>
+            <a:endParaRPr lang="en-US" dirty="0"/>
+          </a:p>
+        </p:txBody>
+      </p:sp>
+      <p:sp>
+        <p:nvSpPr>
+          <p:cNvPr id="7" name="Date Placeholder 6"/>
           <p:cNvSpPr>
             <a:spLocks noGrp="1"/>
           </p:cNvSpPr>
@@ -278,13 +294,7 @@
       </p:sp>
       <p:sp>
         <p:nvSpPr>
-          <p:cNvPr id="5" name="Footer Placeholder 4">
-            <a:extLst>
-              <a:ext uri="{FF2B5EF4-FFF2-40B4-BE49-F238E27FC236}">
-                <a16:creationId xmlns:a16="http://schemas.microsoft.com/office/drawing/2014/main" id="{0F795931-AD62-1348-570C-7F741D405741}"/>
-              </a:ext>
-            </a:extLst>
-          </p:cNvPr>
+          <p:cNvPr id="8" name="Footer Placeholder 7"/>
           <p:cNvSpPr>
             <a:spLocks noGrp="1"/>
           </p:cNvSpPr>
@@ -303,13 +313,7 @@
       </p:sp>
       <p:sp>
         <p:nvSpPr>
-          <p:cNvPr id="6" name="Slide Number Placeholder 5">
-            <a:extLst>
-              <a:ext uri="{FF2B5EF4-FFF2-40B4-BE49-F238E27FC236}">
-                <a16:creationId xmlns:a16="http://schemas.microsoft.com/office/drawing/2014/main" id="{8D178E01-E484-46D1-9C3A-AC2F157C5F33}"/>
-              </a:ext>
-            </a:extLst>
-          </p:cNvPr>
+          <p:cNvPr id="9" name="Slide Number Placeholder 8"/>
           <p:cNvSpPr>
             <a:spLocks noGrp="1"/>
           </p:cNvSpPr>
@@ -333,12 +337,12 @@
     </p:spTree>
     <p:extLst>
       <p:ext uri="{BB962C8B-B14F-4D97-AF65-F5344CB8AC3E}">
-        <p14:creationId xmlns:p14="http://schemas.microsoft.com/office/powerpoint/2010/main" val="965660754"/>
+        <p14:creationId xmlns:p14="http://schemas.microsoft.com/office/powerpoint/2010/main" val="1625368797"/>
       </p:ext>
     </p:extLst>
   </p:cSld>
   <p:clrMapOvr>
-    <a:masterClrMapping/>
+    <a:overrideClrMapping bg1="dk1" tx1="lt1" bg2="dk2" tx2="lt2" accent1="accent1" accent2="accent2" accent3="accent3" accent4="accent4" accent5="accent5" accent6="accent6" hlink="hlink" folHlink="folHlink"/>
   </p:clrMapOvr>
 </p:sldLayout>
 </file>
@@ -362,13 +366,7 @@
       </p:grpSpPr>
       <p:sp>
         <p:nvSpPr>
-          <p:cNvPr id="2" name="Title 1">
-            <a:extLst>
-              <a:ext uri="{FF2B5EF4-FFF2-40B4-BE49-F238E27FC236}">
-                <a16:creationId xmlns:a16="http://schemas.microsoft.com/office/drawing/2014/main" id="{EC025A50-0588-772C-C38E-237CDDBDB150}"/>
-              </a:ext>
-            </a:extLst>
-          </p:cNvPr>
+          <p:cNvPr id="2" name="Title 1"/>
           <p:cNvSpPr>
             <a:spLocks noGrp="1"/>
           </p:cNvSpPr>
@@ -385,18 +383,13 @@
               <a:rPr lang="en-US"/>
               <a:t>Click to edit Master title style</a:t>
             </a:r>
-          </a:p>
-        </p:txBody>
-      </p:sp>
-      <p:sp>
-        <p:nvSpPr>
-          <p:cNvPr id="3" name="Vertical Text Placeholder 2">
-            <a:extLst>
-              <a:ext uri="{FF2B5EF4-FFF2-40B4-BE49-F238E27FC236}">
-                <a16:creationId xmlns:a16="http://schemas.microsoft.com/office/drawing/2014/main" id="{4325203C-77AD-5B8C-C029-62D07FF42963}"/>
-              </a:ext>
-            </a:extLst>
-          </p:cNvPr>
+            <a:endParaRPr lang="en-US" dirty="0"/>
+          </a:p>
+        </p:txBody>
+      </p:sp>
+      <p:sp>
+        <p:nvSpPr>
+          <p:cNvPr id="3" name="Vertical Text Placeholder 2"/>
           <p:cNvSpPr>
             <a:spLocks noGrp="1"/>
           </p:cNvSpPr>
@@ -442,18 +435,13 @@
               <a:rPr lang="en-US"/>
               <a:t>Fifth level</a:t>
             </a:r>
-          </a:p>
-        </p:txBody>
-      </p:sp>
-      <p:sp>
-        <p:nvSpPr>
-          <p:cNvPr id="4" name="Date Placeholder 3">
-            <a:extLst>
-              <a:ext uri="{FF2B5EF4-FFF2-40B4-BE49-F238E27FC236}">
-                <a16:creationId xmlns:a16="http://schemas.microsoft.com/office/drawing/2014/main" id="{E3E099A1-F39B-1F5F-8F12-63095CF322AE}"/>
-              </a:ext>
-            </a:extLst>
-          </p:cNvPr>
+            <a:endParaRPr lang="en-US" dirty="0"/>
+          </a:p>
+        </p:txBody>
+      </p:sp>
+      <p:sp>
+        <p:nvSpPr>
+          <p:cNvPr id="4" name="Date Placeholder 3"/>
           <p:cNvSpPr>
             <a:spLocks noGrp="1"/>
           </p:cNvSpPr>
@@ -476,13 +464,7 @@
       </p:sp>
       <p:sp>
         <p:nvSpPr>
-          <p:cNvPr id="5" name="Footer Placeholder 4">
-            <a:extLst>
-              <a:ext uri="{FF2B5EF4-FFF2-40B4-BE49-F238E27FC236}">
-                <a16:creationId xmlns:a16="http://schemas.microsoft.com/office/drawing/2014/main" id="{135221A3-04A7-6B2A-79E2-0C9E6A213370}"/>
-              </a:ext>
-            </a:extLst>
-          </p:cNvPr>
+          <p:cNvPr id="5" name="Footer Placeholder 4"/>
           <p:cNvSpPr>
             <a:spLocks noGrp="1"/>
           </p:cNvSpPr>
@@ -501,13 +483,7 @@
       </p:sp>
       <p:sp>
         <p:nvSpPr>
-          <p:cNvPr id="6" name="Slide Number Placeholder 5">
-            <a:extLst>
-              <a:ext uri="{FF2B5EF4-FFF2-40B4-BE49-F238E27FC236}">
-                <a16:creationId xmlns:a16="http://schemas.microsoft.com/office/drawing/2014/main" id="{A4DFF504-17A4-1B08-7F3F-1E38D00791B0}"/>
-              </a:ext>
-            </a:extLst>
-          </p:cNvPr>
+          <p:cNvPr id="6" name="Slide Number Placeholder 5"/>
           <p:cNvSpPr>
             <a:spLocks noGrp="1"/>
           </p:cNvSpPr>
@@ -531,7 +507,7 @@
     </p:spTree>
     <p:extLst>
       <p:ext uri="{BB962C8B-B14F-4D97-AF65-F5344CB8AC3E}">
-        <p14:creationId xmlns:p14="http://schemas.microsoft.com/office/powerpoint/2010/main" val="1190427360"/>
+        <p14:creationId xmlns:p14="http://schemas.microsoft.com/office/powerpoint/2010/main" val="3914039738"/>
       </p:ext>
     </p:extLst>
   </p:cSld>
@@ -560,13 +536,7 @@
       </p:grpSpPr>
       <p:sp>
         <p:nvSpPr>
-          <p:cNvPr id="2" name="Vertical Title 1">
-            <a:extLst>
-              <a:ext uri="{FF2B5EF4-FFF2-40B4-BE49-F238E27FC236}">
-                <a16:creationId xmlns:a16="http://schemas.microsoft.com/office/drawing/2014/main" id="{E1437FA2-BAFA-5377-A14C-8A65418C0F54}"/>
-              </a:ext>
-            </a:extLst>
-          </p:cNvPr>
+          <p:cNvPr id="2" name="Vertical Title 1"/>
           <p:cNvSpPr>
             <a:spLocks noGrp="1"/>
           </p:cNvSpPr>
@@ -576,8 +546,8 @@
         </p:nvSpPr>
         <p:spPr>
           <a:xfrm>
-            <a:off x="8724900" y="365125"/>
-            <a:ext cx="2628900" cy="5811838"/>
+            <a:off x="8653112" y="937260"/>
+            <a:ext cx="1298608" cy="4983480"/>
           </a:xfrm>
         </p:spPr>
         <p:txBody>
@@ -588,18 +558,13 @@
               <a:rPr lang="en-US"/>
               <a:t>Click to edit Master title style</a:t>
             </a:r>
-          </a:p>
-        </p:txBody>
-      </p:sp>
-      <p:sp>
-        <p:nvSpPr>
-          <p:cNvPr id="3" name="Vertical Text Placeholder 2">
-            <a:extLst>
-              <a:ext uri="{FF2B5EF4-FFF2-40B4-BE49-F238E27FC236}">
-                <a16:creationId xmlns:a16="http://schemas.microsoft.com/office/drawing/2014/main" id="{26F81AA0-D240-56F9-66AB-D432F526911D}"/>
-              </a:ext>
-            </a:extLst>
-          </p:cNvPr>
+            <a:endParaRPr lang="en-US" dirty="0"/>
+          </a:p>
+        </p:txBody>
+      </p:sp>
+      <p:sp>
+        <p:nvSpPr>
+          <p:cNvPr id="3" name="Vertical Text Placeholder 2"/>
           <p:cNvSpPr>
             <a:spLocks noGrp="1"/>
           </p:cNvSpPr>
@@ -609,8 +574,8 @@
         </p:nvSpPr>
         <p:spPr>
           <a:xfrm>
-            <a:off x="838200" y="365125"/>
-            <a:ext cx="7734300" cy="5811838"/>
+            <a:off x="2231136" y="937260"/>
+            <a:ext cx="6198489" cy="4983480"/>
           </a:xfrm>
         </p:spPr>
         <p:txBody>
@@ -650,18 +615,13 @@
               <a:rPr lang="en-US"/>
               <a:t>Fifth level</a:t>
             </a:r>
-          </a:p>
-        </p:txBody>
-      </p:sp>
-      <p:sp>
-        <p:nvSpPr>
-          <p:cNvPr id="4" name="Date Placeholder 3">
-            <a:extLst>
-              <a:ext uri="{FF2B5EF4-FFF2-40B4-BE49-F238E27FC236}">
-                <a16:creationId xmlns:a16="http://schemas.microsoft.com/office/drawing/2014/main" id="{C3816B00-5A79-7D52-11F9-48C0EDE366BC}"/>
-              </a:ext>
-            </a:extLst>
-          </p:cNvPr>
+            <a:endParaRPr lang="en-US" dirty="0"/>
+          </a:p>
+        </p:txBody>
+      </p:sp>
+      <p:sp>
+        <p:nvSpPr>
+          <p:cNvPr id="4" name="Date Placeholder 3"/>
           <p:cNvSpPr>
             <a:spLocks noGrp="1"/>
           </p:cNvSpPr>
@@ -684,13 +644,7 @@
       </p:sp>
       <p:sp>
         <p:nvSpPr>
-          <p:cNvPr id="5" name="Footer Placeholder 4">
-            <a:extLst>
-              <a:ext uri="{FF2B5EF4-FFF2-40B4-BE49-F238E27FC236}">
-                <a16:creationId xmlns:a16="http://schemas.microsoft.com/office/drawing/2014/main" id="{B08B1959-E0EA-134A-8598-86C24BFDE524}"/>
-              </a:ext>
-            </a:extLst>
-          </p:cNvPr>
+          <p:cNvPr id="5" name="Footer Placeholder 4"/>
           <p:cNvSpPr>
             <a:spLocks noGrp="1"/>
           </p:cNvSpPr>
@@ -709,13 +663,7 @@
       </p:sp>
       <p:sp>
         <p:nvSpPr>
-          <p:cNvPr id="6" name="Slide Number Placeholder 5">
-            <a:extLst>
-              <a:ext uri="{FF2B5EF4-FFF2-40B4-BE49-F238E27FC236}">
-                <a16:creationId xmlns:a16="http://schemas.microsoft.com/office/drawing/2014/main" id="{05AD4108-CB13-6C93-52F8-35B7798CCFA5}"/>
-              </a:ext>
-            </a:extLst>
-          </p:cNvPr>
+          <p:cNvPr id="6" name="Slide Number Placeholder 5"/>
           <p:cNvSpPr>
             <a:spLocks noGrp="1"/>
           </p:cNvSpPr>
@@ -739,7 +687,7 @@
     </p:spTree>
     <p:extLst>
       <p:ext uri="{BB962C8B-B14F-4D97-AF65-F5344CB8AC3E}">
-        <p14:creationId xmlns:p14="http://schemas.microsoft.com/office/powerpoint/2010/main" val="2859873346"/>
+        <p14:creationId xmlns:p14="http://schemas.microsoft.com/office/powerpoint/2010/main" val="669867937"/>
       </p:ext>
     </p:extLst>
   </p:cSld>
@@ -768,13 +716,7 @@
       </p:grpSpPr>
       <p:sp>
         <p:nvSpPr>
-          <p:cNvPr id="2" name="Title 1">
-            <a:extLst>
-              <a:ext uri="{FF2B5EF4-FFF2-40B4-BE49-F238E27FC236}">
-                <a16:creationId xmlns:a16="http://schemas.microsoft.com/office/drawing/2014/main" id="{E9B9EF0F-C98E-D273-16FB-A085EB6E5BC3}"/>
-              </a:ext>
-            </a:extLst>
-          </p:cNvPr>
+          <p:cNvPr id="2" name="Title 1"/>
           <p:cNvSpPr>
             <a:spLocks noGrp="1"/>
           </p:cNvSpPr>
@@ -791,18 +733,13 @@
               <a:rPr lang="en-US"/>
               <a:t>Click to edit Master title style</a:t>
             </a:r>
-          </a:p>
-        </p:txBody>
-      </p:sp>
-      <p:sp>
-        <p:nvSpPr>
-          <p:cNvPr id="3" name="Content Placeholder 2">
-            <a:extLst>
-              <a:ext uri="{FF2B5EF4-FFF2-40B4-BE49-F238E27FC236}">
-                <a16:creationId xmlns:a16="http://schemas.microsoft.com/office/drawing/2014/main" id="{10F0AE73-E465-D2E4-6047-16ED4F4E510F}"/>
-              </a:ext>
-            </a:extLst>
-          </p:cNvPr>
+            <a:endParaRPr lang="en-US" dirty="0"/>
+          </a:p>
+        </p:txBody>
+      </p:sp>
+      <p:sp>
+        <p:nvSpPr>
+          <p:cNvPr id="3" name="Content Placeholder 2"/>
           <p:cNvSpPr>
             <a:spLocks noGrp="1"/>
           </p:cNvSpPr>
@@ -848,18 +785,13 @@
               <a:rPr lang="en-US"/>
               <a:t>Fifth level</a:t>
             </a:r>
-          </a:p>
-        </p:txBody>
-      </p:sp>
-      <p:sp>
-        <p:nvSpPr>
-          <p:cNvPr id="4" name="Date Placeholder 3">
-            <a:extLst>
-              <a:ext uri="{FF2B5EF4-FFF2-40B4-BE49-F238E27FC236}">
-                <a16:creationId xmlns:a16="http://schemas.microsoft.com/office/drawing/2014/main" id="{07599DD3-B852-9D7F-CBDF-29ADAFCFEE99}"/>
-              </a:ext>
-            </a:extLst>
-          </p:cNvPr>
+            <a:endParaRPr lang="en-US" dirty="0"/>
+          </a:p>
+        </p:txBody>
+      </p:sp>
+      <p:sp>
+        <p:nvSpPr>
+          <p:cNvPr id="7" name="Date Placeholder 6"/>
           <p:cNvSpPr>
             <a:spLocks noGrp="1"/>
           </p:cNvSpPr>
@@ -882,13 +814,7 @@
       </p:sp>
       <p:sp>
         <p:nvSpPr>
-          <p:cNvPr id="5" name="Footer Placeholder 4">
-            <a:extLst>
-              <a:ext uri="{FF2B5EF4-FFF2-40B4-BE49-F238E27FC236}">
-                <a16:creationId xmlns:a16="http://schemas.microsoft.com/office/drawing/2014/main" id="{E42F7E82-8EED-A9A3-42B3-7672832B932B}"/>
-              </a:ext>
-            </a:extLst>
-          </p:cNvPr>
+          <p:cNvPr id="8" name="Footer Placeholder 7"/>
           <p:cNvSpPr>
             <a:spLocks noGrp="1"/>
           </p:cNvSpPr>
@@ -907,13 +833,7 @@
       </p:sp>
       <p:sp>
         <p:nvSpPr>
-          <p:cNvPr id="6" name="Slide Number Placeholder 5">
-            <a:extLst>
-              <a:ext uri="{FF2B5EF4-FFF2-40B4-BE49-F238E27FC236}">
-                <a16:creationId xmlns:a16="http://schemas.microsoft.com/office/drawing/2014/main" id="{EF2BB4BD-557D-8CBF-C49B-D528EDA17FE3}"/>
-              </a:ext>
-            </a:extLst>
-          </p:cNvPr>
+          <p:cNvPr id="9" name="Slide Number Placeholder 8"/>
           <p:cNvSpPr>
             <a:spLocks noGrp="1"/>
           </p:cNvSpPr>
@@ -937,7 +857,7 @@
     </p:spTree>
     <p:extLst>
       <p:ext uri="{BB962C8B-B14F-4D97-AF65-F5344CB8AC3E}">
-        <p14:creationId xmlns:p14="http://schemas.microsoft.com/office/powerpoint/2010/main" val="1031092520"/>
+        <p14:creationId xmlns:p14="http://schemas.microsoft.com/office/powerpoint/2010/main" val="1676237800"/>
       </p:ext>
     </p:extLst>
   </p:cSld>
@@ -950,6 +870,14 @@
 <file path=ppt/slideLayouts/slideLayout3.xml><?xml version="1.0" encoding="utf-8"?>
 <p:sldLayout xmlns:a="http://schemas.openxmlformats.org/drawingml/2006/main" xmlns:r="http://schemas.openxmlformats.org/officeDocument/2006/relationships" xmlns:p="http://schemas.openxmlformats.org/presentationml/2006/main" type="secHead" preserve="1">
   <p:cSld name="Section Header">
+    <p:bg>
+      <p:bgPr>
+        <a:solidFill>
+          <a:schemeClr val="accent1"/>
+        </a:solidFill>
+        <a:effectLst/>
+      </p:bgPr>
+    </p:bg>
     <p:spTree>
       <p:nvGrpSpPr>
         <p:cNvPr id="1" name=""/>
@@ -966,73 +894,76 @@
       </p:grpSpPr>
       <p:sp>
         <p:nvSpPr>
-          <p:cNvPr id="2" name="Title 1">
-            <a:extLst>
-              <a:ext uri="{FF2B5EF4-FFF2-40B4-BE49-F238E27FC236}">
-                <a16:creationId xmlns:a16="http://schemas.microsoft.com/office/drawing/2014/main" id="{D8126258-C715-758D-9447-BCCDA23E971E}"/>
-              </a:ext>
-            </a:extLst>
-          </p:cNvPr>
+          <p:cNvPr id="2" name="Title 1"/>
           <p:cNvSpPr>
             <a:spLocks noGrp="1"/>
           </p:cNvSpPr>
           <p:nvPr>
             <p:ph type="title"/>
+          </p:nvPr>
+        </p:nvSpPr>
+        <p:spPr bwMode="blackWhite">
+          <a:xfrm>
+            <a:off x="1600200" y="2386744"/>
+            <a:ext cx="8991600" cy="1645920"/>
+          </a:xfrm>
+          <a:solidFill>
+            <a:srgbClr val="FFFFFF"/>
+          </a:solidFill>
+          <a:ln w="38100">
+            <a:solidFill>
+              <a:srgbClr val="404040"/>
+            </a:solidFill>
+          </a:ln>
+        </p:spPr>
+        <p:txBody>
+          <a:bodyPr lIns="274320" rIns="274320" anchor="ctr" anchorCtr="1">
+            <a:normAutofit/>
+          </a:bodyPr>
+          <a:lstStyle>
+            <a:lvl1pPr>
+              <a:defRPr sz="3800">
+                <a:solidFill>
+                  <a:srgbClr val="262626"/>
+                </a:solidFill>
+              </a:defRPr>
+            </a:lvl1pPr>
+          </a:lstStyle>
+          <a:p>
+            <a:r>
+              <a:rPr lang="en-US"/>
+              <a:t>Click to edit Master title style</a:t>
+            </a:r>
+            <a:endParaRPr lang="en-US" dirty="0"/>
+          </a:p>
+        </p:txBody>
+      </p:sp>
+      <p:sp>
+        <p:nvSpPr>
+          <p:cNvPr id="3" name="Text Placeholder 2"/>
+          <p:cNvSpPr>
+            <a:spLocks noGrp="1"/>
+          </p:cNvSpPr>
+          <p:nvPr>
+            <p:ph type="body" idx="1"/>
           </p:nvPr>
         </p:nvSpPr>
         <p:spPr>
           <a:xfrm>
-            <a:off x="831850" y="1709738"/>
-            <a:ext cx="10515600" cy="2852737"/>
+            <a:off x="2695194" y="4352465"/>
+            <a:ext cx="6801612" cy="1265082"/>
           </a:xfrm>
         </p:spPr>
         <p:txBody>
-          <a:bodyPr anchor="b"/>
-          <a:lstStyle>
-            <a:lvl1pPr>
-              <a:defRPr sz="6000"/>
-            </a:lvl1pPr>
-          </a:lstStyle>
-          <a:p>
-            <a:r>
-              <a:rPr lang="en-US"/>
-              <a:t>Click to edit Master title style</a:t>
-            </a:r>
-          </a:p>
-        </p:txBody>
-      </p:sp>
-      <p:sp>
-        <p:nvSpPr>
-          <p:cNvPr id="3" name="Text Placeholder 2">
-            <a:extLst>
-              <a:ext uri="{FF2B5EF4-FFF2-40B4-BE49-F238E27FC236}">
-                <a16:creationId xmlns:a16="http://schemas.microsoft.com/office/drawing/2014/main" id="{D0C8C718-A74A-13F0-50C0-75E638EDF2F2}"/>
-              </a:ext>
-            </a:extLst>
-          </p:cNvPr>
-          <p:cNvSpPr>
-            <a:spLocks noGrp="1"/>
-          </p:cNvSpPr>
-          <p:nvPr>
-            <p:ph type="body" idx="1"/>
-          </p:nvPr>
-        </p:nvSpPr>
-        <p:spPr>
-          <a:xfrm>
-            <a:off x="831850" y="4589463"/>
-            <a:ext cx="10515600" cy="1500187"/>
-          </a:xfrm>
-        </p:spPr>
-        <p:txBody>
-          <a:bodyPr/>
+          <a:bodyPr anchor="t" anchorCtr="1">
+            <a:normAutofit/>
+          </a:bodyPr>
           <a:lstStyle>
             <a:lvl1pPr marL="0" indent="0">
               <a:buNone/>
-              <a:defRPr sz="2400">
+              <a:defRPr sz="2000">
                 <a:solidFill>
-                  <a:schemeClr val="tx1">
-                    <a:tint val="82000"/>
-                  </a:schemeClr>
+                  <a:schemeClr val="tx1"/>
                 </a:solidFill>
               </a:defRPr>
             </a:lvl1pPr>
@@ -1041,7 +972,7 @@
               <a:defRPr sz="2000">
                 <a:solidFill>
                   <a:schemeClr val="tx1">
-                    <a:tint val="82000"/>
+                    <a:tint val="75000"/>
                   </a:schemeClr>
                 </a:solidFill>
               </a:defRPr>
@@ -1051,7 +982,7 @@
               <a:defRPr sz="1800">
                 <a:solidFill>
                   <a:schemeClr val="tx1">
-                    <a:tint val="82000"/>
+                    <a:tint val="75000"/>
                   </a:schemeClr>
                 </a:solidFill>
               </a:defRPr>
@@ -1061,7 +992,7 @@
               <a:defRPr sz="1600">
                 <a:solidFill>
                   <a:schemeClr val="tx1">
-                    <a:tint val="82000"/>
+                    <a:tint val="75000"/>
                   </a:schemeClr>
                 </a:solidFill>
               </a:defRPr>
@@ -1071,7 +1002,7 @@
               <a:defRPr sz="1600">
                 <a:solidFill>
                   <a:schemeClr val="tx1">
-                    <a:tint val="82000"/>
+                    <a:tint val="75000"/>
                   </a:schemeClr>
                 </a:solidFill>
               </a:defRPr>
@@ -1081,7 +1012,7 @@
               <a:defRPr sz="1600">
                 <a:solidFill>
                   <a:schemeClr val="tx1">
-                    <a:tint val="82000"/>
+                    <a:tint val="75000"/>
                   </a:schemeClr>
                 </a:solidFill>
               </a:defRPr>
@@ -1091,7 +1022,7 @@
               <a:defRPr sz="1600">
                 <a:solidFill>
                   <a:schemeClr val="tx1">
-                    <a:tint val="82000"/>
+                    <a:tint val="75000"/>
                   </a:schemeClr>
                 </a:solidFill>
               </a:defRPr>
@@ -1101,7 +1032,7 @@
               <a:defRPr sz="1600">
                 <a:solidFill>
                   <a:schemeClr val="tx1">
-                    <a:tint val="82000"/>
+                    <a:tint val="75000"/>
                   </a:schemeClr>
                 </a:solidFill>
               </a:defRPr>
@@ -1111,7 +1042,7 @@
               <a:defRPr sz="1600">
                 <a:solidFill>
                   <a:schemeClr val="tx1">
-                    <a:tint val="82000"/>
+                    <a:tint val="75000"/>
                   </a:schemeClr>
                 </a:solidFill>
               </a:defRPr>
@@ -1128,13 +1059,7 @@
       </p:sp>
       <p:sp>
         <p:nvSpPr>
-          <p:cNvPr id="4" name="Date Placeholder 3">
-            <a:extLst>
-              <a:ext uri="{FF2B5EF4-FFF2-40B4-BE49-F238E27FC236}">
-                <a16:creationId xmlns:a16="http://schemas.microsoft.com/office/drawing/2014/main" id="{2D524C55-58C9-0D86-C5DB-EEECBFA9228A}"/>
-              </a:ext>
-            </a:extLst>
-          </p:cNvPr>
+          <p:cNvPr id="7" name="Date Placeholder 6"/>
           <p:cNvSpPr>
             <a:spLocks noGrp="1"/>
           </p:cNvSpPr>
@@ -1157,13 +1082,7 @@
       </p:sp>
       <p:sp>
         <p:nvSpPr>
-          <p:cNvPr id="5" name="Footer Placeholder 4">
-            <a:extLst>
-              <a:ext uri="{FF2B5EF4-FFF2-40B4-BE49-F238E27FC236}">
-                <a16:creationId xmlns:a16="http://schemas.microsoft.com/office/drawing/2014/main" id="{C57765E1-0662-2CA6-D4C7-F881CC1B57F6}"/>
-              </a:ext>
-            </a:extLst>
-          </p:cNvPr>
+          <p:cNvPr id="8" name="Footer Placeholder 7"/>
           <p:cNvSpPr>
             <a:spLocks noGrp="1"/>
           </p:cNvSpPr>
@@ -1182,13 +1101,7 @@
       </p:sp>
       <p:sp>
         <p:nvSpPr>
-          <p:cNvPr id="6" name="Slide Number Placeholder 5">
-            <a:extLst>
-              <a:ext uri="{FF2B5EF4-FFF2-40B4-BE49-F238E27FC236}">
-                <a16:creationId xmlns:a16="http://schemas.microsoft.com/office/drawing/2014/main" id="{687D8C54-FBCE-7102-70AF-384E00AAC14A}"/>
-              </a:ext>
-            </a:extLst>
-          </p:cNvPr>
+          <p:cNvPr id="9" name="Slide Number Placeholder 8"/>
           <p:cNvSpPr>
             <a:spLocks noGrp="1"/>
           </p:cNvSpPr>
@@ -1212,12 +1125,12 @@
     </p:spTree>
     <p:extLst>
       <p:ext uri="{BB962C8B-B14F-4D97-AF65-F5344CB8AC3E}">
-        <p14:creationId xmlns:p14="http://schemas.microsoft.com/office/powerpoint/2010/main" val="2399999879"/>
+        <p14:creationId xmlns:p14="http://schemas.microsoft.com/office/powerpoint/2010/main" val="942413073"/>
       </p:ext>
     </p:extLst>
   </p:cSld>
   <p:clrMapOvr>
-    <a:masterClrMapping/>
+    <a:overrideClrMapping bg1="dk1" tx1="lt1" bg2="dk2" tx2="lt2" accent1="accent1" accent2="accent2" accent3="accent3" accent4="accent4" accent5="accent5" accent6="accent6" hlink="hlink" folHlink="folHlink"/>
   </p:clrMapOvr>
 </p:sldLayout>
 </file>
@@ -1241,13 +1154,7 @@
       </p:grpSpPr>
       <p:sp>
         <p:nvSpPr>
-          <p:cNvPr id="2" name="Title 1">
-            <a:extLst>
-              <a:ext uri="{FF2B5EF4-FFF2-40B4-BE49-F238E27FC236}">
-                <a16:creationId xmlns:a16="http://schemas.microsoft.com/office/drawing/2014/main" id="{FC005340-FE96-A274-1926-AF81C8F65CF1}"/>
-              </a:ext>
-            </a:extLst>
-          </p:cNvPr>
+          <p:cNvPr id="2" name="Title 1"/>
           <p:cNvSpPr>
             <a:spLocks noGrp="1"/>
           </p:cNvSpPr>
@@ -1264,18 +1171,13 @@
               <a:rPr lang="en-US"/>
               <a:t>Click to edit Master title style</a:t>
             </a:r>
-          </a:p>
-        </p:txBody>
-      </p:sp>
-      <p:sp>
-        <p:nvSpPr>
-          <p:cNvPr id="3" name="Content Placeholder 2">
-            <a:extLst>
-              <a:ext uri="{FF2B5EF4-FFF2-40B4-BE49-F238E27FC236}">
-                <a16:creationId xmlns:a16="http://schemas.microsoft.com/office/drawing/2014/main" id="{73BD2BCD-3023-E676-5DD6-5DB56F557036}"/>
-              </a:ext>
-            </a:extLst>
-          </p:cNvPr>
+            <a:endParaRPr lang="en-US" dirty="0"/>
+          </a:p>
+        </p:txBody>
+      </p:sp>
+      <p:sp>
+        <p:nvSpPr>
+          <p:cNvPr id="3" name="Content Placeholder 2"/>
           <p:cNvSpPr>
             <a:spLocks noGrp="1"/>
           </p:cNvSpPr>
@@ -1285,8 +1187,8 @@
         </p:nvSpPr>
         <p:spPr>
           <a:xfrm>
-            <a:off x="838200" y="1825625"/>
-            <a:ext cx="5181600" cy="4351338"/>
+            <a:off x="1581912" y="2638044"/>
+            <a:ext cx="4271771" cy="3101982"/>
           </a:xfrm>
         </p:spPr>
         <p:txBody>
@@ -1326,18 +1228,13 @@
               <a:rPr lang="en-US"/>
               <a:t>Fifth level</a:t>
             </a:r>
-          </a:p>
-        </p:txBody>
-      </p:sp>
-      <p:sp>
-        <p:nvSpPr>
-          <p:cNvPr id="4" name="Content Placeholder 3">
-            <a:extLst>
-              <a:ext uri="{FF2B5EF4-FFF2-40B4-BE49-F238E27FC236}">
-                <a16:creationId xmlns:a16="http://schemas.microsoft.com/office/drawing/2014/main" id="{2937D899-4A2C-2E3D-3440-737F76AD1C07}"/>
-              </a:ext>
-            </a:extLst>
-          </p:cNvPr>
+            <a:endParaRPr lang="en-US" dirty="0"/>
+          </a:p>
+        </p:txBody>
+      </p:sp>
+      <p:sp>
+        <p:nvSpPr>
+          <p:cNvPr id="4" name="Content Placeholder 3"/>
           <p:cNvSpPr>
             <a:spLocks noGrp="1"/>
           </p:cNvSpPr>
@@ -1347,8 +1244,8 @@
         </p:nvSpPr>
         <p:spPr>
           <a:xfrm>
-            <a:off x="6172200" y="1825625"/>
-            <a:ext cx="5181600" cy="4351338"/>
+            <a:off x="6338315" y="2638044"/>
+            <a:ext cx="4270247" cy="3101982"/>
           </a:xfrm>
         </p:spPr>
         <p:txBody>
@@ -1388,18 +1285,13 @@
               <a:rPr lang="en-US"/>
               <a:t>Fifth level</a:t>
             </a:r>
-          </a:p>
-        </p:txBody>
-      </p:sp>
-      <p:sp>
-        <p:nvSpPr>
-          <p:cNvPr id="5" name="Date Placeholder 4">
-            <a:extLst>
-              <a:ext uri="{FF2B5EF4-FFF2-40B4-BE49-F238E27FC236}">
-                <a16:creationId xmlns:a16="http://schemas.microsoft.com/office/drawing/2014/main" id="{B59A3A30-DAC4-0BBB-07AB-3A1990D427C5}"/>
-              </a:ext>
-            </a:extLst>
-          </p:cNvPr>
+            <a:endParaRPr lang="en-US" dirty="0"/>
+          </a:p>
+        </p:txBody>
+      </p:sp>
+      <p:sp>
+        <p:nvSpPr>
+          <p:cNvPr id="8" name="Date Placeholder 7"/>
           <p:cNvSpPr>
             <a:spLocks noGrp="1"/>
           </p:cNvSpPr>
@@ -1422,13 +1314,7 @@
       </p:sp>
       <p:sp>
         <p:nvSpPr>
-          <p:cNvPr id="6" name="Footer Placeholder 5">
-            <a:extLst>
-              <a:ext uri="{FF2B5EF4-FFF2-40B4-BE49-F238E27FC236}">
-                <a16:creationId xmlns:a16="http://schemas.microsoft.com/office/drawing/2014/main" id="{C34AC3C1-379C-FEE1-0087-49C4DCC5DE62}"/>
-              </a:ext>
-            </a:extLst>
-          </p:cNvPr>
+          <p:cNvPr id="9" name="Footer Placeholder 8"/>
           <p:cNvSpPr>
             <a:spLocks noGrp="1"/>
           </p:cNvSpPr>
@@ -1447,13 +1333,7 @@
       </p:sp>
       <p:sp>
         <p:nvSpPr>
-          <p:cNvPr id="7" name="Slide Number Placeholder 6">
-            <a:extLst>
-              <a:ext uri="{FF2B5EF4-FFF2-40B4-BE49-F238E27FC236}">
-                <a16:creationId xmlns:a16="http://schemas.microsoft.com/office/drawing/2014/main" id="{B9D04CD5-E319-7CC3-1C7F-002CE8C09CC1}"/>
-              </a:ext>
-            </a:extLst>
-          </p:cNvPr>
+          <p:cNvPr id="10" name="Slide Number Placeholder 9"/>
           <p:cNvSpPr>
             <a:spLocks noGrp="1"/>
           </p:cNvSpPr>
@@ -1477,7 +1357,7 @@
     </p:spTree>
     <p:extLst>
       <p:ext uri="{BB962C8B-B14F-4D97-AF65-F5344CB8AC3E}">
-        <p14:creationId xmlns:p14="http://schemas.microsoft.com/office/powerpoint/2010/main" val="2642338177"/>
+        <p14:creationId xmlns:p14="http://schemas.microsoft.com/office/powerpoint/2010/main" val="1047601102"/>
       </p:ext>
     </p:extLst>
   </p:cSld>
@@ -1506,69 +1386,38 @@
       </p:grpSpPr>
       <p:sp>
         <p:nvSpPr>
-          <p:cNvPr id="2" name="Title 1">
-            <a:extLst>
-              <a:ext uri="{FF2B5EF4-FFF2-40B4-BE49-F238E27FC236}">
-                <a16:creationId xmlns:a16="http://schemas.microsoft.com/office/drawing/2014/main" id="{76EEBF7D-E791-E684-6DC5-889F05DCA462}"/>
-              </a:ext>
-            </a:extLst>
-          </p:cNvPr>
-          <p:cNvSpPr>
-            <a:spLocks noGrp="1"/>
-          </p:cNvSpPr>
-          <p:nvPr>
-            <p:ph type="title"/>
+          <p:cNvPr id="3" name="Text Placeholder 2"/>
+          <p:cNvSpPr>
+            <a:spLocks noGrp="1"/>
+          </p:cNvSpPr>
+          <p:nvPr>
+            <p:ph type="body" idx="1"/>
           </p:nvPr>
         </p:nvSpPr>
         <p:spPr>
           <a:xfrm>
-            <a:off x="839788" y="365125"/>
-            <a:ext cx="10515600" cy="1325563"/>
+            <a:off x="1583436" y="2313433"/>
+            <a:ext cx="4270248" cy="704087"/>
           </a:xfrm>
         </p:spPr>
         <p:txBody>
-          <a:bodyPr/>
-          <a:lstStyle/>
-          <a:p>
-            <a:r>
-              <a:rPr lang="en-US"/>
-              <a:t>Click to edit Master title style</a:t>
-            </a:r>
-          </a:p>
-        </p:txBody>
-      </p:sp>
-      <p:sp>
-        <p:nvSpPr>
-          <p:cNvPr id="3" name="Text Placeholder 2">
-            <a:extLst>
-              <a:ext uri="{FF2B5EF4-FFF2-40B4-BE49-F238E27FC236}">
-                <a16:creationId xmlns:a16="http://schemas.microsoft.com/office/drawing/2014/main" id="{B633ED68-74F2-9592-7A78-A3DE4D4B61E2}"/>
-              </a:ext>
-            </a:extLst>
-          </p:cNvPr>
-          <p:cNvSpPr>
-            <a:spLocks noGrp="1"/>
-          </p:cNvSpPr>
-          <p:nvPr>
-            <p:ph type="body" idx="1"/>
-          </p:nvPr>
-        </p:nvSpPr>
-        <p:spPr>
-          <a:xfrm>
-            <a:off x="839788" y="1681163"/>
-            <a:ext cx="5157787" cy="823912"/>
-          </a:xfrm>
-        </p:spPr>
-        <p:txBody>
-          <a:bodyPr anchor="b"/>
+          <a:bodyPr anchor="b" anchorCtr="1">
+            <a:normAutofit/>
+          </a:bodyPr>
           <a:lstStyle>
-            <a:lvl1pPr marL="0" indent="0">
-              <a:buNone/>
-              <a:defRPr sz="2400" b="1"/>
+            <a:lvl1pPr marL="0" indent="0" algn="ctr">
+              <a:buNone/>
+              <a:defRPr sz="1900" b="0" cap="all" spc="100" baseline="0">
+                <a:solidFill>
+                  <a:schemeClr val="accent2">
+                    <a:lumMod val="75000"/>
+                  </a:schemeClr>
+                </a:solidFill>
+              </a:defRPr>
             </a:lvl1pPr>
             <a:lvl2pPr marL="457200" indent="0">
               <a:buNone/>
-              <a:defRPr sz="2000" b="1"/>
+              <a:defRPr sz="1900" b="1"/>
             </a:lvl2pPr>
             <a:lvl3pPr marL="914400" indent="0">
               <a:buNone/>
@@ -1610,13 +1459,7 @@
       </p:sp>
       <p:sp>
         <p:nvSpPr>
-          <p:cNvPr id="4" name="Content Placeholder 3">
-            <a:extLst>
-              <a:ext uri="{FF2B5EF4-FFF2-40B4-BE49-F238E27FC236}">
-                <a16:creationId xmlns:a16="http://schemas.microsoft.com/office/drawing/2014/main" id="{5579F970-1DA2-821D-4519-3B9662D17E73}"/>
-              </a:ext>
-            </a:extLst>
-          </p:cNvPr>
+          <p:cNvPr id="4" name="Content Placeholder 3"/>
           <p:cNvSpPr>
             <a:spLocks noGrp="1"/>
           </p:cNvSpPr>
@@ -1626,8 +1469,8 @@
         </p:nvSpPr>
         <p:spPr>
           <a:xfrm>
-            <a:off x="839788" y="2505075"/>
-            <a:ext cx="5157787" cy="3684588"/>
+            <a:off x="1583436" y="3143250"/>
+            <a:ext cx="4270248" cy="2596776"/>
           </a:xfrm>
         </p:spPr>
         <p:txBody>
@@ -1667,41 +1510,105 @@
               <a:rPr lang="en-US"/>
               <a:t>Fifth level</a:t>
             </a:r>
-          </a:p>
-        </p:txBody>
-      </p:sp>
-      <p:sp>
-        <p:nvSpPr>
-          <p:cNvPr id="5" name="Text Placeholder 4">
-            <a:extLst>
-              <a:ext uri="{FF2B5EF4-FFF2-40B4-BE49-F238E27FC236}">
-                <a16:creationId xmlns:a16="http://schemas.microsoft.com/office/drawing/2014/main" id="{96AC0667-F0AB-8327-606C-33AE9B514035}"/>
-              </a:ext>
-            </a:extLst>
-          </p:cNvPr>
-          <p:cNvSpPr>
-            <a:spLocks noGrp="1"/>
-          </p:cNvSpPr>
-          <p:nvPr>
-            <p:ph type="body" sz="quarter" idx="3"/>
+            <a:endParaRPr lang="en-US" dirty="0"/>
+          </a:p>
+        </p:txBody>
+      </p:sp>
+      <p:sp>
+        <p:nvSpPr>
+          <p:cNvPr id="6" name="Content Placeholder 5"/>
+          <p:cNvSpPr>
+            <a:spLocks noGrp="1"/>
+          </p:cNvSpPr>
+          <p:nvPr>
+            <p:ph sz="quarter" idx="4"/>
           </p:nvPr>
         </p:nvSpPr>
         <p:spPr>
           <a:xfrm>
-            <a:off x="6172200" y="1681163"/>
-            <a:ext cx="5183188" cy="823912"/>
+            <a:off x="6338316" y="3143250"/>
+            <a:ext cx="4253484" cy="2596776"/>
           </a:xfrm>
         </p:spPr>
         <p:txBody>
-          <a:bodyPr anchor="b"/>
+          <a:bodyPr/>
           <a:lstStyle>
-            <a:lvl1pPr marL="0" indent="0">
-              <a:buNone/>
-              <a:defRPr sz="2400" b="1"/>
+            <a:lvl5pPr>
+              <a:defRPr/>
+            </a:lvl5pPr>
+          </a:lstStyle>
+          <a:p>
+            <a:pPr lvl="0"/>
+            <a:r>
+              <a:rPr lang="en-US"/>
+              <a:t>Click to edit Master text styles</a:t>
+            </a:r>
+          </a:p>
+          <a:p>
+            <a:pPr lvl="1"/>
+            <a:r>
+              <a:rPr lang="en-US"/>
+              <a:t>Second level</a:t>
+            </a:r>
+          </a:p>
+          <a:p>
+            <a:pPr lvl="2"/>
+            <a:r>
+              <a:rPr lang="en-US"/>
+              <a:t>Third level</a:t>
+            </a:r>
+          </a:p>
+          <a:p>
+            <a:pPr lvl="3"/>
+            <a:r>
+              <a:rPr lang="en-US"/>
+              <a:t>Fourth level</a:t>
+            </a:r>
+          </a:p>
+          <a:p>
+            <a:pPr lvl="4"/>
+            <a:r>
+              <a:rPr lang="en-US"/>
+              <a:t>Fifth level</a:t>
+            </a:r>
+            <a:endParaRPr lang="en-US" dirty="0"/>
+          </a:p>
+        </p:txBody>
+      </p:sp>
+      <p:sp>
+        <p:nvSpPr>
+          <p:cNvPr id="11" name="Text Placeholder 4"/>
+          <p:cNvSpPr>
+            <a:spLocks noGrp="1"/>
+          </p:cNvSpPr>
+          <p:nvPr>
+            <p:ph type="body" sz="quarter" idx="13"/>
+          </p:nvPr>
+        </p:nvSpPr>
+        <p:spPr>
+          <a:xfrm>
+            <a:off x="6338316" y="2313433"/>
+            <a:ext cx="4270248" cy="704087"/>
+          </a:xfrm>
+        </p:spPr>
+        <p:txBody>
+          <a:bodyPr anchor="b" anchorCtr="1">
+            <a:normAutofit/>
+          </a:bodyPr>
+          <a:lstStyle>
+            <a:lvl1pPr marL="0" indent="0" algn="ctr">
+              <a:buNone/>
+              <a:defRPr sz="1900" b="0" cap="all" spc="100" baseline="0">
+                <a:solidFill>
+                  <a:schemeClr val="accent2">
+                    <a:lumMod val="75000"/>
+                  </a:schemeClr>
+                </a:solidFill>
+              </a:defRPr>
             </a:lvl1pPr>
             <a:lvl2pPr marL="457200" indent="0">
               <a:buNone/>
-              <a:defRPr sz="2000" b="1"/>
+              <a:defRPr sz="1900" b="1"/>
             </a:lvl2pPr>
             <a:lvl3pPr marL="914400" indent="0">
               <a:buNone/>
@@ -1743,75 +1650,7 @@
       </p:sp>
       <p:sp>
         <p:nvSpPr>
-          <p:cNvPr id="6" name="Content Placeholder 5">
-            <a:extLst>
-              <a:ext uri="{FF2B5EF4-FFF2-40B4-BE49-F238E27FC236}">
-                <a16:creationId xmlns:a16="http://schemas.microsoft.com/office/drawing/2014/main" id="{5647DC31-0DD4-EE75-3C20-9DC42AE5BF48}"/>
-              </a:ext>
-            </a:extLst>
-          </p:cNvPr>
-          <p:cNvSpPr>
-            <a:spLocks noGrp="1"/>
-          </p:cNvSpPr>
-          <p:nvPr>
-            <p:ph sz="quarter" idx="4"/>
-          </p:nvPr>
-        </p:nvSpPr>
-        <p:spPr>
-          <a:xfrm>
-            <a:off x="6172200" y="2505075"/>
-            <a:ext cx="5183188" cy="3684588"/>
-          </a:xfrm>
-        </p:spPr>
-        <p:txBody>
-          <a:bodyPr/>
-          <a:lstStyle/>
-          <a:p>
-            <a:pPr lvl="0"/>
-            <a:r>
-              <a:rPr lang="en-US"/>
-              <a:t>Click to edit Master text styles</a:t>
-            </a:r>
-          </a:p>
-          <a:p>
-            <a:pPr lvl="1"/>
-            <a:r>
-              <a:rPr lang="en-US"/>
-              <a:t>Second level</a:t>
-            </a:r>
-          </a:p>
-          <a:p>
-            <a:pPr lvl="2"/>
-            <a:r>
-              <a:rPr lang="en-US"/>
-              <a:t>Third level</a:t>
-            </a:r>
-          </a:p>
-          <a:p>
-            <a:pPr lvl="3"/>
-            <a:r>
-              <a:rPr lang="en-US"/>
-              <a:t>Fourth level</a:t>
-            </a:r>
-          </a:p>
-          <a:p>
-            <a:pPr lvl="4"/>
-            <a:r>
-              <a:rPr lang="en-US"/>
-              <a:t>Fifth level</a:t>
-            </a:r>
-          </a:p>
-        </p:txBody>
-      </p:sp>
-      <p:sp>
-        <p:nvSpPr>
-          <p:cNvPr id="7" name="Date Placeholder 6">
-            <a:extLst>
-              <a:ext uri="{FF2B5EF4-FFF2-40B4-BE49-F238E27FC236}">
-                <a16:creationId xmlns:a16="http://schemas.microsoft.com/office/drawing/2014/main" id="{96994795-5395-6B4B-2726-6879E3F76323}"/>
-              </a:ext>
-            </a:extLst>
-          </p:cNvPr>
+          <p:cNvPr id="7" name="Date Placeholder 6"/>
           <p:cNvSpPr>
             <a:spLocks noGrp="1"/>
           </p:cNvSpPr>
@@ -1834,13 +1673,7 @@
       </p:sp>
       <p:sp>
         <p:nvSpPr>
-          <p:cNvPr id="8" name="Footer Placeholder 7">
-            <a:extLst>
-              <a:ext uri="{FF2B5EF4-FFF2-40B4-BE49-F238E27FC236}">
-                <a16:creationId xmlns:a16="http://schemas.microsoft.com/office/drawing/2014/main" id="{22ED3AA1-5DEA-8E4E-0000-E3CFE0CDE2AF}"/>
-              </a:ext>
-            </a:extLst>
-          </p:cNvPr>
+          <p:cNvPr id="8" name="Footer Placeholder 7"/>
           <p:cNvSpPr>
             <a:spLocks noGrp="1"/>
           </p:cNvSpPr>
@@ -1859,13 +1692,7 @@
       </p:sp>
       <p:sp>
         <p:nvSpPr>
-          <p:cNvPr id="9" name="Slide Number Placeholder 8">
-            <a:extLst>
-              <a:ext uri="{FF2B5EF4-FFF2-40B4-BE49-F238E27FC236}">
-                <a16:creationId xmlns:a16="http://schemas.microsoft.com/office/drawing/2014/main" id="{542EFC89-8D1A-4C93-E338-250765AC7AEC}"/>
-              </a:ext>
-            </a:extLst>
-          </p:cNvPr>
+          <p:cNvPr id="9" name="Slide Number Placeholder 8"/>
           <p:cNvSpPr>
             <a:spLocks noGrp="1"/>
           </p:cNvSpPr>
@@ -1886,10 +1713,33 @@
           </a:p>
         </p:txBody>
       </p:sp>
+      <p:sp>
+        <p:nvSpPr>
+          <p:cNvPr id="10" name="Title 9"/>
+          <p:cNvSpPr>
+            <a:spLocks noGrp="1"/>
+          </p:cNvSpPr>
+          <p:nvPr>
+            <p:ph type="title"/>
+          </p:nvPr>
+        </p:nvSpPr>
+        <p:spPr/>
+        <p:txBody>
+          <a:bodyPr/>
+          <a:lstStyle/>
+          <a:p>
+            <a:r>
+              <a:rPr lang="en-US"/>
+              <a:t>Click to edit Master title style</a:t>
+            </a:r>
+            <a:endParaRPr lang="en-US" dirty="0"/>
+          </a:p>
+        </p:txBody>
+      </p:sp>
     </p:spTree>
     <p:extLst>
       <p:ext uri="{BB962C8B-B14F-4D97-AF65-F5344CB8AC3E}">
-        <p14:creationId xmlns:p14="http://schemas.microsoft.com/office/powerpoint/2010/main" val="3423171568"/>
+        <p14:creationId xmlns:p14="http://schemas.microsoft.com/office/powerpoint/2010/main" val="1238154224"/>
       </p:ext>
     </p:extLst>
   </p:cSld>
@@ -1918,13 +1768,7 @@
       </p:grpSpPr>
       <p:sp>
         <p:nvSpPr>
-          <p:cNvPr id="2" name="Title 1">
-            <a:extLst>
-              <a:ext uri="{FF2B5EF4-FFF2-40B4-BE49-F238E27FC236}">
-                <a16:creationId xmlns:a16="http://schemas.microsoft.com/office/drawing/2014/main" id="{8478FFDD-F1BE-2CAF-0B28-B5AEA893C4DF}"/>
-              </a:ext>
-            </a:extLst>
-          </p:cNvPr>
+          <p:cNvPr id="2" name="Title 1"/>
           <p:cNvSpPr>
             <a:spLocks noGrp="1"/>
           </p:cNvSpPr>
@@ -1941,18 +1785,13 @@
               <a:rPr lang="en-US"/>
               <a:t>Click to edit Master title style</a:t>
             </a:r>
-          </a:p>
-        </p:txBody>
-      </p:sp>
-      <p:sp>
-        <p:nvSpPr>
-          <p:cNvPr id="3" name="Date Placeholder 2">
-            <a:extLst>
-              <a:ext uri="{FF2B5EF4-FFF2-40B4-BE49-F238E27FC236}">
-                <a16:creationId xmlns:a16="http://schemas.microsoft.com/office/drawing/2014/main" id="{333D8224-5358-4628-AB7F-EF8D1EB86FF5}"/>
-              </a:ext>
-            </a:extLst>
-          </p:cNvPr>
+            <a:endParaRPr lang="en-US" dirty="0"/>
+          </a:p>
+        </p:txBody>
+      </p:sp>
+      <p:sp>
+        <p:nvSpPr>
+          <p:cNvPr id="3" name="Date Placeholder 2"/>
           <p:cNvSpPr>
             <a:spLocks noGrp="1"/>
           </p:cNvSpPr>
@@ -1975,13 +1814,7 @@
       </p:sp>
       <p:sp>
         <p:nvSpPr>
-          <p:cNvPr id="4" name="Footer Placeholder 3">
-            <a:extLst>
-              <a:ext uri="{FF2B5EF4-FFF2-40B4-BE49-F238E27FC236}">
-                <a16:creationId xmlns:a16="http://schemas.microsoft.com/office/drawing/2014/main" id="{5BF4DFDD-F7E0-02D1-B1E2-692931ACDC60}"/>
-              </a:ext>
-            </a:extLst>
-          </p:cNvPr>
+          <p:cNvPr id="4" name="Footer Placeholder 3"/>
           <p:cNvSpPr>
             <a:spLocks noGrp="1"/>
           </p:cNvSpPr>
@@ -2000,13 +1833,7 @@
       </p:sp>
       <p:sp>
         <p:nvSpPr>
-          <p:cNvPr id="5" name="Slide Number Placeholder 4">
-            <a:extLst>
-              <a:ext uri="{FF2B5EF4-FFF2-40B4-BE49-F238E27FC236}">
-                <a16:creationId xmlns:a16="http://schemas.microsoft.com/office/drawing/2014/main" id="{80E4F011-5615-1991-B86E-20965B278052}"/>
-              </a:ext>
-            </a:extLst>
-          </p:cNvPr>
+          <p:cNvPr id="5" name="Slide Number Placeholder 4"/>
           <p:cNvSpPr>
             <a:spLocks noGrp="1"/>
           </p:cNvSpPr>
@@ -2030,7 +1857,7 @@
     </p:spTree>
     <p:extLst>
       <p:ext uri="{BB962C8B-B14F-4D97-AF65-F5344CB8AC3E}">
-        <p14:creationId xmlns:p14="http://schemas.microsoft.com/office/powerpoint/2010/main" val="3305261417"/>
+        <p14:creationId xmlns:p14="http://schemas.microsoft.com/office/powerpoint/2010/main" val="1109456697"/>
       </p:ext>
     </p:extLst>
   </p:cSld>
@@ -2059,13 +1886,7 @@
       </p:grpSpPr>
       <p:sp>
         <p:nvSpPr>
-          <p:cNvPr id="2" name="Date Placeholder 1">
-            <a:extLst>
-              <a:ext uri="{FF2B5EF4-FFF2-40B4-BE49-F238E27FC236}">
-                <a16:creationId xmlns:a16="http://schemas.microsoft.com/office/drawing/2014/main" id="{74127F8F-AB4D-E554-F381-35391B4F1AC5}"/>
-              </a:ext>
-            </a:extLst>
-          </p:cNvPr>
+          <p:cNvPr id="2" name="Date Placeholder 1"/>
           <p:cNvSpPr>
             <a:spLocks noGrp="1"/>
           </p:cNvSpPr>
@@ -2088,13 +1909,7 @@
       </p:sp>
       <p:sp>
         <p:nvSpPr>
-          <p:cNvPr id="3" name="Footer Placeholder 2">
-            <a:extLst>
-              <a:ext uri="{FF2B5EF4-FFF2-40B4-BE49-F238E27FC236}">
-                <a16:creationId xmlns:a16="http://schemas.microsoft.com/office/drawing/2014/main" id="{BB710300-08B9-613E-4367-4327F0412DF2}"/>
-              </a:ext>
-            </a:extLst>
-          </p:cNvPr>
+          <p:cNvPr id="3" name="Footer Placeholder 2"/>
           <p:cNvSpPr>
             <a:spLocks noGrp="1"/>
           </p:cNvSpPr>
@@ -2113,13 +1928,7 @@
       </p:sp>
       <p:sp>
         <p:nvSpPr>
-          <p:cNvPr id="4" name="Slide Number Placeholder 3">
-            <a:extLst>
-              <a:ext uri="{FF2B5EF4-FFF2-40B4-BE49-F238E27FC236}">
-                <a16:creationId xmlns:a16="http://schemas.microsoft.com/office/drawing/2014/main" id="{B7CA847E-F3B9-3BE0-DBA9-5483847B44B8}"/>
-              </a:ext>
-            </a:extLst>
-          </p:cNvPr>
+          <p:cNvPr id="4" name="Slide Number Placeholder 3"/>
           <p:cNvSpPr>
             <a:spLocks noGrp="1"/>
           </p:cNvSpPr>
@@ -2143,7 +1952,7 @@
     </p:spTree>
     <p:extLst>
       <p:ext uri="{BB962C8B-B14F-4D97-AF65-F5344CB8AC3E}">
-        <p14:creationId xmlns:p14="http://schemas.microsoft.com/office/powerpoint/2010/main" val="3559378774"/>
+        <p14:creationId xmlns:p14="http://schemas.microsoft.com/office/powerpoint/2010/main" val="1192726306"/>
       </p:ext>
     </p:extLst>
   </p:cSld>
@@ -2172,159 +1981,223 @@
       </p:grpSpPr>
       <p:sp>
         <p:nvSpPr>
-          <p:cNvPr id="2" name="Title 1">
-            <a:extLst>
-              <a:ext uri="{FF2B5EF4-FFF2-40B4-BE49-F238E27FC236}">
-                <a16:creationId xmlns:a16="http://schemas.microsoft.com/office/drawing/2014/main" id="{8775E810-456B-D053-0D53-772B5A46B948}"/>
-              </a:ext>
-            </a:extLst>
-          </p:cNvPr>
-          <p:cNvSpPr>
-            <a:spLocks noGrp="1"/>
-          </p:cNvSpPr>
-          <p:nvPr>
-            <p:ph type="title"/>
-          </p:nvPr>
+          <p:cNvPr id="26" name="Rectangle 25"/>
+          <p:cNvSpPr/>
+          <p:nvPr/>
         </p:nvSpPr>
         <p:spPr>
           <a:xfrm>
-            <a:off x="839788" y="457200"/>
-            <a:ext cx="3932237" cy="1600200"/>
+            <a:off x="0" y="0"/>
+            <a:ext cx="6096000" cy="6858000"/>
+          </a:xfrm>
+          <a:prstGeom prst="rect">
+            <a:avLst/>
+          </a:prstGeom>
+          <a:solidFill>
+            <a:schemeClr val="accent2"/>
+          </a:solidFill>
+          <a:ln>
+            <a:noFill/>
+          </a:ln>
+        </p:spPr>
+        <p:style>
+          <a:lnRef idx="2">
+            <a:schemeClr val="accent1">
+              <a:shade val="50000"/>
+            </a:schemeClr>
+          </a:lnRef>
+          <a:fillRef idx="1">
+            <a:schemeClr val="accent1"/>
+          </a:fillRef>
+          <a:effectRef idx="0">
+            <a:schemeClr val="accent1"/>
+          </a:effectRef>
+          <a:fontRef idx="minor">
+            <a:schemeClr val="lt1"/>
+          </a:fontRef>
+        </p:style>
+      </p:sp>
+      <p:sp>
+        <p:nvSpPr>
+          <p:cNvPr id="2" name="Title 1"/>
+          <p:cNvSpPr>
+            <a:spLocks noGrp="1"/>
+          </p:cNvSpPr>
+          <p:nvPr>
+            <p:ph type="title"/>
+          </p:nvPr>
+        </p:nvSpPr>
+        <p:spPr bwMode="blackWhite">
+          <a:xfrm>
+            <a:off x="804672" y="2243828"/>
+            <a:ext cx="4486656" cy="1141497"/>
+          </a:xfrm>
+          <a:solidFill>
+            <a:srgbClr val="FFFFFF"/>
+          </a:solidFill>
+          <a:ln>
+            <a:solidFill>
+              <a:srgbClr val="404040"/>
+            </a:solidFill>
+          </a:ln>
+        </p:spPr>
+        <p:txBody>
+          <a:bodyPr anchor="ctr" anchorCtr="1">
+            <a:normAutofit/>
+          </a:bodyPr>
+          <a:lstStyle>
+            <a:lvl1pPr>
+              <a:defRPr sz="2200">
+                <a:solidFill>
+                  <a:srgbClr val="262626"/>
+                </a:solidFill>
+              </a:defRPr>
+            </a:lvl1pPr>
+          </a:lstStyle>
+          <a:p>
+            <a:r>
+              <a:rPr lang="en-US"/>
+              <a:t>Click to edit Master title style</a:t>
+            </a:r>
+            <a:endParaRPr lang="en-US" dirty="0"/>
+          </a:p>
+        </p:txBody>
+      </p:sp>
+      <p:sp>
+        <p:nvSpPr>
+          <p:cNvPr id="3" name="Content Placeholder 2"/>
+          <p:cNvSpPr>
+            <a:spLocks noGrp="1"/>
+          </p:cNvSpPr>
+          <p:nvPr>
+            <p:ph idx="1"/>
+          </p:nvPr>
+        </p:nvSpPr>
+        <p:spPr>
+          <a:xfrm>
+            <a:off x="6736080" y="804672"/>
+            <a:ext cx="4815840" cy="5248656"/>
           </a:xfrm>
         </p:spPr>
         <p:txBody>
-          <a:bodyPr anchor="b"/>
+          <a:bodyPr>
+            <a:normAutofit/>
+          </a:bodyPr>
           <a:lstStyle>
             <a:lvl1pPr>
-              <a:defRPr sz="3200"/>
+              <a:defRPr sz="1900">
+                <a:solidFill>
+                  <a:schemeClr val="tx1"/>
+                </a:solidFill>
+              </a:defRPr>
             </a:lvl1pPr>
+            <a:lvl2pPr>
+              <a:defRPr sz="1600">
+                <a:solidFill>
+                  <a:schemeClr val="tx1"/>
+                </a:solidFill>
+              </a:defRPr>
+            </a:lvl2pPr>
+            <a:lvl3pPr>
+              <a:defRPr sz="1600">
+                <a:solidFill>
+                  <a:schemeClr val="tx1"/>
+                </a:solidFill>
+              </a:defRPr>
+            </a:lvl3pPr>
+            <a:lvl4pPr>
+              <a:defRPr sz="1600">
+                <a:solidFill>
+                  <a:schemeClr val="tx1"/>
+                </a:solidFill>
+              </a:defRPr>
+            </a:lvl4pPr>
+            <a:lvl5pPr>
+              <a:defRPr sz="1600">
+                <a:solidFill>
+                  <a:schemeClr val="tx1"/>
+                </a:solidFill>
+              </a:defRPr>
+            </a:lvl5pPr>
+            <a:lvl6pPr>
+              <a:defRPr sz="1600"/>
+            </a:lvl6pPr>
+            <a:lvl7pPr>
+              <a:defRPr sz="1600"/>
+            </a:lvl7pPr>
+            <a:lvl8pPr>
+              <a:defRPr sz="1600"/>
+            </a:lvl8pPr>
+            <a:lvl9pPr>
+              <a:defRPr sz="1600"/>
+            </a:lvl9pPr>
           </a:lstStyle>
           <a:p>
-            <a:r>
-              <a:rPr lang="en-US"/>
-              <a:t>Click to edit Master title style</a:t>
-            </a:r>
-          </a:p>
-        </p:txBody>
-      </p:sp>
-      <p:sp>
-        <p:nvSpPr>
-          <p:cNvPr id="3" name="Content Placeholder 2">
-            <a:extLst>
-              <a:ext uri="{FF2B5EF4-FFF2-40B4-BE49-F238E27FC236}">
-                <a16:creationId xmlns:a16="http://schemas.microsoft.com/office/drawing/2014/main" id="{E9658149-2EDC-1662-A605-D759D54A7D95}"/>
-              </a:ext>
-            </a:extLst>
-          </p:cNvPr>
-          <p:cNvSpPr>
-            <a:spLocks noGrp="1"/>
-          </p:cNvSpPr>
-          <p:nvPr>
-            <p:ph idx="1"/>
+            <a:pPr lvl="0"/>
+            <a:r>
+              <a:rPr lang="en-US"/>
+              <a:t>Click to edit Master text styles</a:t>
+            </a:r>
+          </a:p>
+          <a:p>
+            <a:pPr lvl="1"/>
+            <a:r>
+              <a:rPr lang="en-US"/>
+              <a:t>Second level</a:t>
+            </a:r>
+          </a:p>
+          <a:p>
+            <a:pPr lvl="2"/>
+            <a:r>
+              <a:rPr lang="en-US"/>
+              <a:t>Third level</a:t>
+            </a:r>
+          </a:p>
+          <a:p>
+            <a:pPr lvl="3"/>
+            <a:r>
+              <a:rPr lang="en-US"/>
+              <a:t>Fourth level</a:t>
+            </a:r>
+          </a:p>
+          <a:p>
+            <a:pPr lvl="4"/>
+            <a:r>
+              <a:rPr lang="en-US"/>
+              <a:t>Fifth level</a:t>
+            </a:r>
+            <a:endParaRPr lang="en-US" dirty="0"/>
+          </a:p>
+        </p:txBody>
+      </p:sp>
+      <p:sp>
+        <p:nvSpPr>
+          <p:cNvPr id="4" name="Text Placeholder 3"/>
+          <p:cNvSpPr>
+            <a:spLocks noGrp="1"/>
+          </p:cNvSpPr>
+          <p:nvPr>
+            <p:ph type="body" sz="half" idx="2"/>
           </p:nvPr>
         </p:nvSpPr>
         <p:spPr>
           <a:xfrm>
-            <a:off x="5183188" y="987425"/>
-            <a:ext cx="6172200" cy="4873625"/>
+            <a:off x="1115568" y="3549918"/>
+            <a:ext cx="3794760" cy="2194036"/>
           </a:xfrm>
         </p:spPr>
         <p:txBody>
-          <a:bodyPr/>
+          <a:bodyPr anchor="t" anchorCtr="1">
+            <a:normAutofit/>
+          </a:bodyPr>
           <a:lstStyle>
-            <a:lvl1pPr>
-              <a:defRPr sz="3200"/>
-            </a:lvl1pPr>
-            <a:lvl2pPr>
-              <a:defRPr sz="2800"/>
-            </a:lvl2pPr>
-            <a:lvl3pPr>
-              <a:defRPr sz="2400"/>
-            </a:lvl3pPr>
-            <a:lvl4pPr>
-              <a:defRPr sz="2000"/>
-            </a:lvl4pPr>
-            <a:lvl5pPr>
-              <a:defRPr sz="2000"/>
-            </a:lvl5pPr>
-            <a:lvl6pPr>
-              <a:defRPr sz="2000"/>
-            </a:lvl6pPr>
-            <a:lvl7pPr>
-              <a:defRPr sz="2000"/>
-            </a:lvl7pPr>
-            <a:lvl8pPr>
-              <a:defRPr sz="2000"/>
-            </a:lvl8pPr>
-            <a:lvl9pPr>
-              <a:defRPr sz="2000"/>
-            </a:lvl9pPr>
-          </a:lstStyle>
-          <a:p>
-            <a:pPr lvl="0"/>
-            <a:r>
-              <a:rPr lang="en-US"/>
-              <a:t>Click to edit Master text styles</a:t>
-            </a:r>
-          </a:p>
-          <a:p>
-            <a:pPr lvl="1"/>
-            <a:r>
-              <a:rPr lang="en-US"/>
-              <a:t>Second level</a:t>
-            </a:r>
-          </a:p>
-          <a:p>
-            <a:pPr lvl="2"/>
-            <a:r>
-              <a:rPr lang="en-US"/>
-              <a:t>Third level</a:t>
-            </a:r>
-          </a:p>
-          <a:p>
-            <a:pPr lvl="3"/>
-            <a:r>
-              <a:rPr lang="en-US"/>
-              <a:t>Fourth level</a:t>
-            </a:r>
-          </a:p>
-          <a:p>
-            <a:pPr lvl="4"/>
-            <a:r>
-              <a:rPr lang="en-US"/>
-              <a:t>Fifth level</a:t>
-            </a:r>
-          </a:p>
-        </p:txBody>
-      </p:sp>
-      <p:sp>
-        <p:nvSpPr>
-          <p:cNvPr id="4" name="Text Placeholder 3">
-            <a:extLst>
-              <a:ext uri="{FF2B5EF4-FFF2-40B4-BE49-F238E27FC236}">
-                <a16:creationId xmlns:a16="http://schemas.microsoft.com/office/drawing/2014/main" id="{6840DACD-AD78-90E8-C6E4-9F319F784CD1}"/>
-              </a:ext>
-            </a:extLst>
-          </p:cNvPr>
-          <p:cNvSpPr>
-            <a:spLocks noGrp="1"/>
-          </p:cNvSpPr>
-          <p:nvPr>
-            <p:ph type="body" sz="half" idx="2"/>
-          </p:nvPr>
-        </p:nvSpPr>
-        <p:spPr>
-          <a:xfrm>
-            <a:off x="839788" y="2057400"/>
-            <a:ext cx="3932237" cy="3811588"/>
-          </a:xfrm>
-        </p:spPr>
-        <p:txBody>
-          <a:bodyPr/>
-          <a:lstStyle>
-            <a:lvl1pPr marL="0" indent="0">
-              <a:buNone/>
-              <a:defRPr sz="1600"/>
+            <a:lvl1pPr marL="0" indent="0" algn="ctr">
+              <a:buNone/>
+              <a:defRPr sz="1500">
+                <a:solidFill>
+                  <a:srgbClr val="FFFFFF"/>
+                </a:solidFill>
+              </a:defRPr>
             </a:lvl1pPr>
             <a:lvl2pPr marL="457200" indent="0">
               <a:buNone/>
@@ -2370,13 +2243,7 @@
       </p:sp>
       <p:sp>
         <p:nvSpPr>
-          <p:cNvPr id="5" name="Date Placeholder 4">
-            <a:extLst>
-              <a:ext uri="{FF2B5EF4-FFF2-40B4-BE49-F238E27FC236}">
-                <a16:creationId xmlns:a16="http://schemas.microsoft.com/office/drawing/2014/main" id="{A7CFD9D1-5790-41EB-7418-F884E040B359}"/>
-              </a:ext>
-            </a:extLst>
-          </p:cNvPr>
+          <p:cNvPr id="9" name="Date Placeholder 8"/>
           <p:cNvSpPr>
             <a:spLocks noGrp="1"/>
           </p:cNvSpPr>
@@ -2399,13 +2266,7 @@
       </p:sp>
       <p:sp>
         <p:nvSpPr>
-          <p:cNvPr id="6" name="Footer Placeholder 5">
-            <a:extLst>
-              <a:ext uri="{FF2B5EF4-FFF2-40B4-BE49-F238E27FC236}">
-                <a16:creationId xmlns:a16="http://schemas.microsoft.com/office/drawing/2014/main" id="{6E3F8EB9-E44D-7B96-CE97-80E9E615715C}"/>
-              </a:ext>
-            </a:extLst>
-          </p:cNvPr>
+          <p:cNvPr id="10" name="Footer Placeholder 9"/>
           <p:cNvSpPr>
             <a:spLocks noGrp="1"/>
           </p:cNvSpPr>
@@ -2413,10 +2274,25 @@
             <p:ph type="ftr" sz="quarter" idx="11"/>
           </p:nvPr>
         </p:nvSpPr>
-        <p:spPr/>
-        <p:txBody>
-          <a:bodyPr/>
-          <a:lstStyle/>
+        <p:spPr>
+          <a:xfrm>
+            <a:off x="804672" y="6236208"/>
+            <a:ext cx="5124797" cy="320040"/>
+          </a:xfrm>
+        </p:spPr>
+        <p:txBody>
+          <a:bodyPr/>
+          <a:lstStyle>
+            <a:lvl1pPr>
+              <a:defRPr>
+                <a:solidFill>
+                  <a:srgbClr val="FFFFFF">
+                    <a:alpha val="70000"/>
+                  </a:srgbClr>
+                </a:solidFill>
+              </a:defRPr>
+            </a:lvl1pPr>
+          </a:lstStyle>
           <a:p>
             <a:endParaRPr lang="en-US"/>
           </a:p>
@@ -2424,13 +2300,7 @@
       </p:sp>
       <p:sp>
         <p:nvSpPr>
-          <p:cNvPr id="7" name="Slide Number Placeholder 6">
-            <a:extLst>
-              <a:ext uri="{FF2B5EF4-FFF2-40B4-BE49-F238E27FC236}">
-                <a16:creationId xmlns:a16="http://schemas.microsoft.com/office/drawing/2014/main" id="{79567BC2-6F0C-BEF9-9746-836002275D8B}"/>
-              </a:ext>
-            </a:extLst>
-          </p:cNvPr>
+          <p:cNvPr id="11" name="Slide Number Placeholder 10"/>
           <p:cNvSpPr>
             <a:spLocks noGrp="1"/>
           </p:cNvSpPr>
@@ -2454,7 +2324,7 @@
     </p:spTree>
     <p:extLst>
       <p:ext uri="{BB962C8B-B14F-4D97-AF65-F5344CB8AC3E}">
-        <p14:creationId xmlns:p14="http://schemas.microsoft.com/office/powerpoint/2010/main" val="2325378840"/>
+        <p14:creationId xmlns:p14="http://schemas.microsoft.com/office/powerpoint/2010/main" val="395588354"/>
       </p:ext>
     </p:extLst>
   </p:cSld>
@@ -2483,31 +2353,77 @@
       </p:grpSpPr>
       <p:sp>
         <p:nvSpPr>
-          <p:cNvPr id="2" name="Title 1">
-            <a:extLst>
-              <a:ext uri="{FF2B5EF4-FFF2-40B4-BE49-F238E27FC236}">
-                <a16:creationId xmlns:a16="http://schemas.microsoft.com/office/drawing/2014/main" id="{4C0A8C98-F267-3882-6874-C6B85C7971FC}"/>
-              </a:ext>
-            </a:extLst>
-          </p:cNvPr>
-          <p:cNvSpPr>
-            <a:spLocks noGrp="1"/>
-          </p:cNvSpPr>
-          <p:nvPr>
-            <p:ph type="title"/>
-          </p:nvPr>
+          <p:cNvPr id="18" name="Rectangle 17"/>
+          <p:cNvSpPr/>
+          <p:nvPr/>
         </p:nvSpPr>
         <p:spPr>
           <a:xfrm>
-            <a:off x="839788" y="457200"/>
-            <a:ext cx="3932237" cy="1600200"/>
+            <a:off x="0" y="0"/>
+            <a:ext cx="6095999" cy="6858000"/>
           </a:xfrm>
+          <a:prstGeom prst="rect">
+            <a:avLst/>
+          </a:prstGeom>
+          <a:solidFill>
+            <a:schemeClr val="accent2"/>
+          </a:solidFill>
+          <a:ln>
+            <a:noFill/>
+          </a:ln>
         </p:spPr>
-        <p:txBody>
-          <a:bodyPr anchor="b"/>
+        <p:style>
+          <a:lnRef idx="2">
+            <a:schemeClr val="accent1">
+              <a:shade val="50000"/>
+            </a:schemeClr>
+          </a:lnRef>
+          <a:fillRef idx="1">
+            <a:schemeClr val="accent1"/>
+          </a:fillRef>
+          <a:effectRef idx="0">
+            <a:schemeClr val="accent1"/>
+          </a:effectRef>
+          <a:fontRef idx="minor">
+            <a:schemeClr val="lt1"/>
+          </a:fontRef>
+        </p:style>
+      </p:sp>
+      <p:sp>
+        <p:nvSpPr>
+          <p:cNvPr id="2" name="Title 1"/>
+          <p:cNvSpPr>
+            <a:spLocks noGrp="1"/>
+          </p:cNvSpPr>
+          <p:nvPr>
+            <p:ph type="title"/>
+          </p:nvPr>
+        </p:nvSpPr>
+        <p:spPr bwMode="blackWhite">
+          <a:xfrm>
+            <a:off x="808523" y="2243828"/>
+            <a:ext cx="4494998" cy="1134640"/>
+          </a:xfrm>
+          <a:solidFill>
+            <a:srgbClr val="FFFFFF"/>
+          </a:solidFill>
+          <a:ln>
+            <a:solidFill>
+              <a:srgbClr val="404040"/>
+            </a:solidFill>
+          </a:ln>
+        </p:spPr>
+        <p:txBody>
+          <a:bodyPr anchor="ctr" anchorCtr="1">
+            <a:noAutofit/>
+          </a:bodyPr>
           <a:lstStyle>
             <a:lvl1pPr>
-              <a:defRPr sz="3200"/>
+              <a:defRPr sz="2200">
+                <a:solidFill>
+                  <a:srgbClr val="262626"/>
+                </a:solidFill>
+              </a:defRPr>
             </a:lvl1pPr>
           </a:lstStyle>
           <a:p>
@@ -2515,20 +2431,15 @@
               <a:rPr lang="en-US"/>
               <a:t>Click to edit Master title style</a:t>
             </a:r>
-          </a:p>
-        </p:txBody>
-      </p:sp>
-      <p:sp>
-        <p:nvSpPr>
-          <p:cNvPr id="3" name="Picture Placeholder 2">
-            <a:extLst>
-              <a:ext uri="{FF2B5EF4-FFF2-40B4-BE49-F238E27FC236}">
-                <a16:creationId xmlns:a16="http://schemas.microsoft.com/office/drawing/2014/main" id="{494F85BA-E4FD-C9F4-7CC5-0BB7E023B119}"/>
-              </a:ext>
-            </a:extLst>
-          </p:cNvPr>
-          <p:cNvSpPr>
-            <a:spLocks noGrp="1"/>
+            <a:endParaRPr lang="en-US" dirty="0"/>
+          </a:p>
+        </p:txBody>
+      </p:sp>
+      <p:sp>
+        <p:nvSpPr>
+          <p:cNvPr id="3" name="Picture Placeholder 2"/>
+          <p:cNvSpPr>
+            <a:spLocks noGrp="1" noChangeAspect="1"/>
           </p:cNvSpPr>
           <p:nvPr>
             <p:ph type="pic" idx="1"/>
@@ -2536,16 +2447,28 @@
         </p:nvSpPr>
         <p:spPr>
           <a:xfrm>
-            <a:off x="5183188" y="987425"/>
-            <a:ext cx="6172200" cy="4873625"/>
+            <a:off x="6095999" y="0"/>
+            <a:ext cx="6102097" cy="6858000"/>
           </a:xfrm>
+          <a:solidFill>
+            <a:schemeClr val="bg1">
+              <a:lumMod val="75000"/>
+            </a:schemeClr>
+          </a:solidFill>
         </p:spPr>
         <p:txBody>
-          <a:bodyPr/>
+          <a:bodyPr anchor="t"/>
           <a:lstStyle>
             <a:lvl1pPr marL="0" indent="0">
               <a:buNone/>
-              <a:defRPr sz="3200"/>
+              <a:defRPr sz="3200">
+                <a:solidFill>
+                  <a:schemeClr val="bg1">
+                    <a:lumMod val="85000"/>
+                    <a:lumOff val="15000"/>
+                  </a:schemeClr>
+                </a:solidFill>
+              </a:defRPr>
             </a:lvl1pPr>
             <a:lvl2pPr marL="457200" indent="0">
               <a:buNone/>
@@ -2581,19 +2504,17 @@
             </a:lvl9pPr>
           </a:lstStyle>
           <a:p>
-            <a:endParaRPr lang="en-US"/>
-          </a:p>
-        </p:txBody>
-      </p:sp>
-      <p:sp>
-        <p:nvSpPr>
-          <p:cNvPr id="4" name="Text Placeholder 3">
-            <a:extLst>
-              <a:ext uri="{FF2B5EF4-FFF2-40B4-BE49-F238E27FC236}">
-                <a16:creationId xmlns:a16="http://schemas.microsoft.com/office/drawing/2014/main" id="{E18B97F8-C8E6-7ABE-1653-F42FD07A9C49}"/>
-              </a:ext>
-            </a:extLst>
-          </p:cNvPr>
+            <a:r>
+              <a:rPr lang="en-US"/>
+              <a:t>Click icon to add picture</a:t>
+            </a:r>
+            <a:endParaRPr lang="en-US" dirty="0"/>
+          </a:p>
+        </p:txBody>
+      </p:sp>
+      <p:sp>
+        <p:nvSpPr>
+          <p:cNvPr id="4" name="Text Placeholder 3"/>
           <p:cNvSpPr>
             <a:spLocks noGrp="1"/>
           </p:cNvSpPr>
@@ -2603,16 +2524,22 @@
         </p:nvSpPr>
         <p:spPr>
           <a:xfrm>
-            <a:off x="839788" y="2057400"/>
-            <a:ext cx="3932237" cy="3811588"/>
+            <a:off x="1115568" y="3549918"/>
+            <a:ext cx="3794760" cy="2194037"/>
           </a:xfrm>
         </p:spPr>
         <p:txBody>
-          <a:bodyPr/>
+          <a:bodyPr anchor="t" anchorCtr="1">
+            <a:normAutofit/>
+          </a:bodyPr>
           <a:lstStyle>
-            <a:lvl1pPr marL="0" indent="0">
-              <a:buNone/>
-              <a:defRPr sz="1600"/>
+            <a:lvl1pPr marL="0" indent="0" algn="ctr">
+              <a:buNone/>
+              <a:defRPr sz="1500">
+                <a:solidFill>
+                  <a:srgbClr val="FFFFFF"/>
+                </a:solidFill>
+              </a:defRPr>
             </a:lvl1pPr>
             <a:lvl2pPr marL="457200" indent="0">
               <a:buNone/>
@@ -2658,13 +2585,7 @@
       </p:sp>
       <p:sp>
         <p:nvSpPr>
-          <p:cNvPr id="5" name="Date Placeholder 4">
-            <a:extLst>
-              <a:ext uri="{FF2B5EF4-FFF2-40B4-BE49-F238E27FC236}">
-                <a16:creationId xmlns:a16="http://schemas.microsoft.com/office/drawing/2014/main" id="{2973E023-4CD2-2FE7-6A14-65A4FB779638}"/>
-              </a:ext>
-            </a:extLst>
-          </p:cNvPr>
+          <p:cNvPr id="8" name="Date Placeholder 7"/>
           <p:cNvSpPr>
             <a:spLocks noGrp="1"/>
           </p:cNvSpPr>
@@ -2675,7 +2596,22 @@
         <p:spPr/>
         <p:txBody>
           <a:bodyPr/>
-          <a:lstStyle/>
+          <a:lstStyle>
+            <a:lvl1pPr>
+              <a:defRPr>
+                <a:solidFill>
+                  <a:srgbClr val="FFFFFF"/>
+                </a:solidFill>
+                <a:effectLst>
+                  <a:outerShdw blurRad="50800" dist="38100" dir="2700000" algn="tl" rotWithShape="0">
+                    <a:prstClr val="black">
+                      <a:alpha val="43000"/>
+                    </a:prstClr>
+                  </a:outerShdw>
+                </a:effectLst>
+              </a:defRPr>
+            </a:lvl1pPr>
+          </a:lstStyle>
           <a:p>
             <a:fld id="{53BE18A4-47A7-4AED-BDA2-69165FC8251B}" type="datetimeFigureOut">
               <a:rPr lang="en-US" smtClean="0"/>
@@ -2687,13 +2623,7 @@
       </p:sp>
       <p:sp>
         <p:nvSpPr>
-          <p:cNvPr id="6" name="Footer Placeholder 5">
-            <a:extLst>
-              <a:ext uri="{FF2B5EF4-FFF2-40B4-BE49-F238E27FC236}">
-                <a16:creationId xmlns:a16="http://schemas.microsoft.com/office/drawing/2014/main" id="{6661C24F-DC29-7EAD-B48C-1678B37FE453}"/>
-              </a:ext>
-            </a:extLst>
-          </p:cNvPr>
+          <p:cNvPr id="9" name="Footer Placeholder 8"/>
           <p:cNvSpPr>
             <a:spLocks noGrp="1"/>
           </p:cNvSpPr>
@@ -2701,10 +2631,25 @@
             <p:ph type="ftr" sz="quarter" idx="11"/>
           </p:nvPr>
         </p:nvSpPr>
-        <p:spPr/>
-        <p:txBody>
-          <a:bodyPr/>
-          <a:lstStyle/>
+        <p:spPr>
+          <a:xfrm>
+            <a:off x="804672" y="6236208"/>
+            <a:ext cx="5124797" cy="320040"/>
+          </a:xfrm>
+        </p:spPr>
+        <p:txBody>
+          <a:bodyPr/>
+          <a:lstStyle>
+            <a:lvl1pPr>
+              <a:defRPr>
+                <a:solidFill>
+                  <a:srgbClr val="FFFFFF">
+                    <a:alpha val="70000"/>
+                  </a:srgbClr>
+                </a:solidFill>
+              </a:defRPr>
+            </a:lvl1pPr>
+          </a:lstStyle>
           <a:p>
             <a:endParaRPr lang="en-US"/>
           </a:p>
@@ -2712,13 +2657,7 @@
       </p:sp>
       <p:sp>
         <p:nvSpPr>
-          <p:cNvPr id="7" name="Slide Number Placeholder 6">
-            <a:extLst>
-              <a:ext uri="{FF2B5EF4-FFF2-40B4-BE49-F238E27FC236}">
-                <a16:creationId xmlns:a16="http://schemas.microsoft.com/office/drawing/2014/main" id="{0D16CD0F-71D0-A3FD-B04B-440769345FE8}"/>
-              </a:ext>
-            </a:extLst>
-          </p:cNvPr>
+          <p:cNvPr id="10" name="Slide Number Placeholder 9"/>
           <p:cNvSpPr>
             <a:spLocks noGrp="1"/>
           </p:cNvSpPr>
@@ -2742,7 +2681,7 @@
     </p:spTree>
     <p:extLst>
       <p:ext uri="{BB962C8B-B14F-4D97-AF65-F5344CB8AC3E}">
-        <p14:creationId xmlns:p14="http://schemas.microsoft.com/office/powerpoint/2010/main" val="304991245"/>
+        <p14:creationId xmlns:p14="http://schemas.microsoft.com/office/powerpoint/2010/main" val="503409049"/>
       </p:ext>
     </p:extLst>
   </p:cSld>
@@ -2756,9 +2695,14 @@
 <p:sldMaster xmlns:a="http://schemas.openxmlformats.org/drawingml/2006/main" xmlns:r="http://schemas.openxmlformats.org/officeDocument/2006/relationships" xmlns:p="http://schemas.openxmlformats.org/presentationml/2006/main">
   <p:cSld>
     <p:bg>
-      <p:bgRef idx="1001">
-        <a:schemeClr val="bg1"/>
-      </p:bgRef>
+      <p:bgPr>
+        <a:solidFill>
+          <a:schemeClr val="bg1">
+            <a:lumMod val="95000"/>
+          </a:schemeClr>
+        </a:solidFill>
+        <a:effectLst/>
+      </p:bgPr>
     </p:bg>
     <p:spTree>
       <p:nvGrpSpPr>
@@ -2776,129 +2720,163 @@
       </p:grpSpPr>
       <p:sp>
         <p:nvSpPr>
-          <p:cNvPr id="2" name="Title Placeholder 1">
-            <a:extLst>
-              <a:ext uri="{FF2B5EF4-FFF2-40B4-BE49-F238E27FC236}">
-                <a16:creationId xmlns:a16="http://schemas.microsoft.com/office/drawing/2014/main" id="{71F1C0AE-CA98-7D48-4F80-D31ED85478F1}"/>
-              </a:ext>
-            </a:extLst>
-          </p:cNvPr>
+          <p:cNvPr id="2" name="Title Placeholder 1"/>
           <p:cNvSpPr>
             <a:spLocks noGrp="1"/>
           </p:cNvSpPr>
           <p:nvPr>
             <p:ph type="title"/>
+          </p:nvPr>
+        </p:nvSpPr>
+        <p:spPr bwMode="black">
+          <a:xfrm>
+            <a:off x="2231136" y="964692"/>
+            <a:ext cx="7729728" cy="1188720"/>
+          </a:xfrm>
+          <a:prstGeom prst="rect">
+            <a:avLst/>
+          </a:prstGeom>
+          <a:solidFill>
+            <a:srgbClr val="FFFFFF"/>
+          </a:solidFill>
+          <a:ln w="31750" cap="sq">
+            <a:solidFill>
+              <a:srgbClr val="404040"/>
+            </a:solidFill>
+            <a:miter lim="800000"/>
+          </a:ln>
+        </p:spPr>
+        <p:txBody>
+          <a:bodyPr vert="horz" lIns="182880" tIns="182880" rIns="182880" bIns="182880" rtlCol="0" anchor="ctr">
+            <a:normAutofit/>
+          </a:bodyPr>
+          <a:lstStyle/>
+          <a:p>
+            <a:r>
+              <a:rPr lang="en-US"/>
+              <a:t>Click to edit Master title style</a:t>
+            </a:r>
+            <a:endParaRPr lang="en-US" dirty="0"/>
+          </a:p>
+        </p:txBody>
+      </p:sp>
+      <p:sp>
+        <p:nvSpPr>
+          <p:cNvPr id="3" name="Text Placeholder 2"/>
+          <p:cNvSpPr>
+            <a:spLocks noGrp="1"/>
+          </p:cNvSpPr>
+          <p:nvPr>
+            <p:ph type="body" idx="1"/>
           </p:nvPr>
         </p:nvSpPr>
         <p:spPr>
           <a:xfrm>
-            <a:off x="838200" y="365125"/>
-            <a:ext cx="10515600" cy="1325563"/>
+            <a:off x="2231136" y="2638044"/>
+            <a:ext cx="7729728" cy="3101983"/>
           </a:xfrm>
           <a:prstGeom prst="rect">
             <a:avLst/>
           </a:prstGeom>
         </p:spPr>
         <p:txBody>
-          <a:bodyPr vert="horz" lIns="91440" tIns="45720" rIns="91440" bIns="45720" rtlCol="0" anchor="ctr">
+          <a:bodyPr vert="horz" lIns="91440" tIns="45720" rIns="91440" bIns="45720" rtlCol="0">
             <a:normAutofit/>
           </a:bodyPr>
           <a:lstStyle/>
           <a:p>
-            <a:r>
-              <a:rPr lang="en-US"/>
-              <a:t>Click to edit Master title style</a:t>
-            </a:r>
-          </a:p>
-        </p:txBody>
-      </p:sp>
-      <p:sp>
-        <p:nvSpPr>
-          <p:cNvPr id="3" name="Text Placeholder 2">
-            <a:extLst>
-              <a:ext uri="{FF2B5EF4-FFF2-40B4-BE49-F238E27FC236}">
-                <a16:creationId xmlns:a16="http://schemas.microsoft.com/office/drawing/2014/main" id="{3AE715D1-5719-E0EB-416D-676D007A475E}"/>
-              </a:ext>
-            </a:extLst>
-          </p:cNvPr>
-          <p:cNvSpPr>
-            <a:spLocks noGrp="1"/>
-          </p:cNvSpPr>
-          <p:nvPr>
-            <p:ph type="body" idx="1"/>
+            <a:pPr lvl="0"/>
+            <a:r>
+              <a:rPr lang="en-US"/>
+              <a:t>Click to edit Master text styles</a:t>
+            </a:r>
+          </a:p>
+          <a:p>
+            <a:pPr lvl="1"/>
+            <a:r>
+              <a:rPr lang="en-US"/>
+              <a:t>Second level</a:t>
+            </a:r>
+          </a:p>
+          <a:p>
+            <a:pPr lvl="2"/>
+            <a:r>
+              <a:rPr lang="en-US"/>
+              <a:t>Third level</a:t>
+            </a:r>
+          </a:p>
+          <a:p>
+            <a:pPr lvl="3"/>
+            <a:r>
+              <a:rPr lang="en-US"/>
+              <a:t>Fourth level</a:t>
+            </a:r>
+          </a:p>
+          <a:p>
+            <a:pPr lvl="4"/>
+            <a:r>
+              <a:rPr lang="en-US"/>
+              <a:t>Fifth level</a:t>
+            </a:r>
+            <a:endParaRPr lang="en-US" dirty="0"/>
+          </a:p>
+        </p:txBody>
+      </p:sp>
+      <p:sp>
+        <p:nvSpPr>
+          <p:cNvPr id="4" name="Date Placeholder 3"/>
+          <p:cNvSpPr>
+            <a:spLocks noGrp="1"/>
+          </p:cNvSpPr>
+          <p:nvPr>
+            <p:ph type="dt" sz="half" idx="2"/>
           </p:nvPr>
         </p:nvSpPr>
         <p:spPr>
           <a:xfrm>
-            <a:off x="838200" y="1825625"/>
-            <a:ext cx="10515600" cy="4351338"/>
+            <a:off x="7821429" y="6238816"/>
+            <a:ext cx="2753746" cy="323968"/>
           </a:xfrm>
           <a:prstGeom prst="rect">
             <a:avLst/>
           </a:prstGeom>
         </p:spPr>
         <p:txBody>
-          <a:bodyPr vert="horz" lIns="91440" tIns="45720" rIns="91440" bIns="45720" rtlCol="0">
-            <a:normAutofit/>
-          </a:bodyPr>
-          <a:lstStyle/>
-          <a:p>
-            <a:pPr lvl="0"/>
-            <a:r>
-              <a:rPr lang="en-US"/>
-              <a:t>Click to edit Master text styles</a:t>
-            </a:r>
-          </a:p>
-          <a:p>
-            <a:pPr lvl="1"/>
-            <a:r>
-              <a:rPr lang="en-US"/>
-              <a:t>Second level</a:t>
-            </a:r>
-          </a:p>
-          <a:p>
-            <a:pPr lvl="2"/>
-            <a:r>
-              <a:rPr lang="en-US"/>
-              <a:t>Third level</a:t>
-            </a:r>
-          </a:p>
-          <a:p>
-            <a:pPr lvl="3"/>
-            <a:r>
-              <a:rPr lang="en-US"/>
-              <a:t>Fourth level</a:t>
-            </a:r>
-          </a:p>
-          <a:p>
-            <a:pPr lvl="4"/>
-            <a:r>
-              <a:rPr lang="en-US"/>
-              <a:t>Fifth level</a:t>
-            </a:r>
-          </a:p>
-        </p:txBody>
-      </p:sp>
-      <p:sp>
-        <p:nvSpPr>
-          <p:cNvPr id="4" name="Date Placeholder 3">
-            <a:extLst>
-              <a:ext uri="{FF2B5EF4-FFF2-40B4-BE49-F238E27FC236}">
-                <a16:creationId xmlns:a16="http://schemas.microsoft.com/office/drawing/2014/main" id="{57B68F7A-9146-3A4F-1E48-AE8C3A9C33F7}"/>
-              </a:ext>
-            </a:extLst>
-          </p:cNvPr>
-          <p:cNvSpPr>
-            <a:spLocks noGrp="1"/>
-          </p:cNvSpPr>
-          <p:nvPr>
-            <p:ph type="dt" sz="half" idx="2"/>
+          <a:bodyPr vert="horz" lIns="91440" tIns="45720" rIns="91440" bIns="45720" rtlCol="0" anchor="ctr"/>
+          <a:lstStyle>
+            <a:lvl1pPr algn="r">
+              <a:defRPr sz="1050">
+                <a:solidFill>
+                  <a:schemeClr val="tx1">
+                    <a:alpha val="70000"/>
+                  </a:schemeClr>
+                </a:solidFill>
+              </a:defRPr>
+            </a:lvl1pPr>
+          </a:lstStyle>
+          <a:p>
+            <a:fld id="{53BE18A4-47A7-4AED-BDA2-69165FC8251B}" type="datetimeFigureOut">
+              <a:rPr lang="en-US" smtClean="0"/>
+              <a:t>9/25/25</a:t>
+            </a:fld>
+            <a:endParaRPr lang="en-US"/>
+          </a:p>
+        </p:txBody>
+      </p:sp>
+      <p:sp>
+        <p:nvSpPr>
+          <p:cNvPr id="5" name="Footer Placeholder 4"/>
+          <p:cNvSpPr>
+            <a:spLocks noGrp="1"/>
+          </p:cNvSpPr>
+          <p:nvPr>
+            <p:ph type="ftr" sz="quarter" idx="3"/>
           </p:nvPr>
         </p:nvSpPr>
         <p:spPr>
           <a:xfrm>
-            <a:off x="838200" y="6356350"/>
-            <a:ext cx="2743200" cy="365125"/>
+            <a:off x="1600200" y="6236208"/>
+            <a:ext cx="5901189" cy="320040"/>
           </a:xfrm>
           <a:prstGeom prst="rect">
             <a:avLst/>
@@ -2908,101 +2886,53 @@
           <a:bodyPr vert="horz" lIns="91440" tIns="45720" rIns="91440" bIns="45720" rtlCol="0" anchor="ctr"/>
           <a:lstStyle>
             <a:lvl1pPr algn="l">
-              <a:defRPr sz="1200">
+              <a:defRPr sz="1050">
                 <a:solidFill>
                   <a:schemeClr val="tx1">
-                    <a:tint val="82000"/>
+                    <a:alpha val="70000"/>
                   </a:schemeClr>
                 </a:solidFill>
               </a:defRPr>
             </a:lvl1pPr>
           </a:lstStyle>
           <a:p>
-            <a:fld id="{53BE18A4-47A7-4AED-BDA2-69165FC8251B}" type="datetimeFigureOut">
-              <a:rPr lang="en-US" smtClean="0"/>
-              <a:t>9/25/25</a:t>
-            </a:fld>
             <a:endParaRPr lang="en-US"/>
           </a:p>
         </p:txBody>
       </p:sp>
       <p:sp>
         <p:nvSpPr>
-          <p:cNvPr id="5" name="Footer Placeholder 4">
-            <a:extLst>
-              <a:ext uri="{FF2B5EF4-FFF2-40B4-BE49-F238E27FC236}">
-                <a16:creationId xmlns:a16="http://schemas.microsoft.com/office/drawing/2014/main" id="{42858609-4021-8DEA-5C81-2EED66870AE4}"/>
-              </a:ext>
-            </a:extLst>
-          </p:cNvPr>
-          <p:cNvSpPr>
-            <a:spLocks noGrp="1"/>
-          </p:cNvSpPr>
-          <p:nvPr>
-            <p:ph type="ftr" sz="quarter" idx="3"/>
+          <p:cNvPr id="6" name="Slide Number Placeholder 5"/>
+          <p:cNvSpPr>
+            <a:spLocks noGrp="1"/>
+          </p:cNvSpPr>
+          <p:nvPr>
+            <p:ph type="sldNum" sz="quarter" idx="4"/>
           </p:nvPr>
         </p:nvSpPr>
         <p:spPr>
           <a:xfrm>
-            <a:off x="4038600" y="6356350"/>
-            <a:ext cx="4114800" cy="365125"/>
+            <a:off x="10758922" y="6217920"/>
+            <a:ext cx="365760" cy="365760"/>
           </a:xfrm>
-          <a:prstGeom prst="rect">
+          <a:prstGeom prst="ellipse">
             <a:avLst/>
           </a:prstGeom>
+          <a:solidFill>
+            <a:srgbClr val="1D1D1D">
+              <a:alpha val="70000"/>
+            </a:srgbClr>
+          </a:solidFill>
         </p:spPr>
         <p:txBody>
-          <a:bodyPr vert="horz" lIns="91440" tIns="45720" rIns="91440" bIns="45720" rtlCol="0" anchor="ctr"/>
+          <a:bodyPr vert="horz" lIns="18288" tIns="45720" rIns="18288" bIns="45720" rtlCol="0" anchor="ctr">
+            <a:noAutofit/>
+          </a:bodyPr>
           <a:lstStyle>
             <a:lvl1pPr algn="ctr">
-              <a:defRPr sz="1200">
+              <a:defRPr sz="1100" spc="0" baseline="0">
                 <a:solidFill>
-                  <a:schemeClr val="tx1">
-                    <a:tint val="82000"/>
-                  </a:schemeClr>
-                </a:solidFill>
-              </a:defRPr>
-            </a:lvl1pPr>
-          </a:lstStyle>
-          <a:p>
-            <a:endParaRPr lang="en-US"/>
-          </a:p>
-        </p:txBody>
-      </p:sp>
-      <p:sp>
-        <p:nvSpPr>
-          <p:cNvPr id="6" name="Slide Number Placeholder 5">
-            <a:extLst>
-              <a:ext uri="{FF2B5EF4-FFF2-40B4-BE49-F238E27FC236}">
-                <a16:creationId xmlns:a16="http://schemas.microsoft.com/office/drawing/2014/main" id="{979273AC-185D-7DAB-9ADA-CDEEE917F3A1}"/>
-              </a:ext>
-            </a:extLst>
-          </p:cNvPr>
-          <p:cNvSpPr>
-            <a:spLocks noGrp="1"/>
-          </p:cNvSpPr>
-          <p:nvPr>
-            <p:ph type="sldNum" sz="quarter" idx="4"/>
-          </p:nvPr>
-        </p:nvSpPr>
-        <p:spPr>
-          <a:xfrm>
-            <a:off x="8610600" y="6356350"/>
-            <a:ext cx="2743200" cy="365125"/>
-          </a:xfrm>
-          <a:prstGeom prst="rect">
-            <a:avLst/>
-          </a:prstGeom>
-        </p:spPr>
-        <p:txBody>
-          <a:bodyPr vert="horz" lIns="91440" tIns="45720" rIns="91440" bIns="45720" rtlCol="0" anchor="ctr"/>
-          <a:lstStyle>
-            <a:lvl1pPr algn="r">
-              <a:defRPr sz="1200">
-                <a:solidFill>
-                  <a:schemeClr val="tx1">
-                    <a:tint val="82000"/>
-                  </a:schemeClr>
+                  <a:srgbClr val="FFFFFF"/>
                 </a:solidFill>
               </a:defRPr>
             </a:lvl1pPr>
@@ -3019,27 +2949,27 @@
     </p:spTree>
     <p:extLst>
       <p:ext uri="{BB962C8B-B14F-4D97-AF65-F5344CB8AC3E}">
-        <p14:creationId xmlns:p14="http://schemas.microsoft.com/office/powerpoint/2010/main" val="3465945203"/>
+        <p14:creationId xmlns:p14="http://schemas.microsoft.com/office/powerpoint/2010/main" val="2912913424"/>
       </p:ext>
     </p:extLst>
   </p:cSld>
   <p:clrMap bg1="lt1" tx1="dk1" bg2="lt2" tx2="dk2" accent1="accent1" accent2="accent2" accent3="accent3" accent4="accent4" accent5="accent5" accent6="accent6" hlink="hlink" folHlink="folHlink"/>
   <p:sldLayoutIdLst>
-    <p:sldLayoutId id="2147483649" r:id="rId1"/>
-    <p:sldLayoutId id="2147483650" r:id="rId2"/>
-    <p:sldLayoutId id="2147483651" r:id="rId3"/>
-    <p:sldLayoutId id="2147483652" r:id="rId4"/>
-    <p:sldLayoutId id="2147483653" r:id="rId5"/>
-    <p:sldLayoutId id="2147483654" r:id="rId6"/>
-    <p:sldLayoutId id="2147483655" r:id="rId7"/>
-    <p:sldLayoutId id="2147483656" r:id="rId8"/>
-    <p:sldLayoutId id="2147483657" r:id="rId9"/>
-    <p:sldLayoutId id="2147483658" r:id="rId10"/>
-    <p:sldLayoutId id="2147483659" r:id="rId11"/>
+    <p:sldLayoutId id="2147483697" r:id="rId1"/>
+    <p:sldLayoutId id="2147483698" r:id="rId2"/>
+    <p:sldLayoutId id="2147483699" r:id="rId3"/>
+    <p:sldLayoutId id="2147483700" r:id="rId4"/>
+    <p:sldLayoutId id="2147483701" r:id="rId5"/>
+    <p:sldLayoutId id="2147483702" r:id="rId6"/>
+    <p:sldLayoutId id="2147483703" r:id="rId7"/>
+    <p:sldLayoutId id="2147483704" r:id="rId8"/>
+    <p:sldLayoutId id="2147483705" r:id="rId9"/>
+    <p:sldLayoutId id="2147483706" r:id="rId10"/>
+    <p:sldLayoutId id="2147483707" r:id="rId11"/>
   </p:sldLayoutIdLst>
   <p:txStyles>
     <p:titleStyle>
-      <a:lvl1pPr algn="l" defTabSz="914400" rtl="0" eaLnBrk="1" latinLnBrk="0" hangingPunct="1">
+      <a:lvl1pPr algn="ctr" defTabSz="914400" rtl="0" eaLnBrk="1" latinLnBrk="0" hangingPunct="1">
         <a:lnSpc>
           <a:spcPct val="90000"/>
         </a:lnSpc>
@@ -3047,9 +2977,9 @@
           <a:spcPct val="0"/>
         </a:spcBef>
         <a:buNone/>
-        <a:defRPr sz="4400" kern="1200">
+        <a:defRPr sz="2800" kern="1200" cap="all" spc="200" baseline="0">
           <a:solidFill>
-            <a:schemeClr val="tx1"/>
+            <a:srgbClr val="262626"/>
           </a:solidFill>
           <a:latin typeface="+mj-lt"/>
           <a:ea typeface="+mj-ea"/>
@@ -3060,104 +2990,137 @@
     <p:bodyStyle>
       <a:lvl1pPr marL="228600" indent="-228600" algn="l" defTabSz="914400" rtl="0" eaLnBrk="1" latinLnBrk="0" hangingPunct="1">
         <a:lnSpc>
-          <a:spcPct val="90000"/>
+          <a:spcPct val="100000"/>
         </a:lnSpc>
         <a:spcBef>
           <a:spcPts val="1000"/>
         </a:spcBef>
+        <a:buClr>
+          <a:schemeClr val="accent2"/>
+        </a:buClr>
         <a:buFont typeface="Arial" panose="020B0604020202020204" pitchFamily="34" charset="0"/>
         <a:buChar char="•"/>
-        <a:defRPr sz="2800" kern="1200">
+        <a:defRPr sz="1800" kern="1200">
           <a:solidFill>
-            <a:schemeClr val="tx1"/>
+            <a:schemeClr val="tx1">
+              <a:lumMod val="85000"/>
+              <a:lumOff val="15000"/>
+            </a:schemeClr>
           </a:solidFill>
           <a:latin typeface="+mn-lt"/>
           <a:ea typeface="+mn-ea"/>
           <a:cs typeface="+mn-cs"/>
         </a:defRPr>
       </a:lvl1pPr>
-      <a:lvl2pPr marL="685800" indent="-228600" algn="l" defTabSz="914400" rtl="0" eaLnBrk="1" latinLnBrk="0" hangingPunct="1">
+      <a:lvl2pPr marL="457200" indent="-228600" algn="l" defTabSz="914400" rtl="0" eaLnBrk="1" latinLnBrk="0" hangingPunct="1">
         <a:lnSpc>
-          <a:spcPct val="90000"/>
+          <a:spcPct val="100000"/>
         </a:lnSpc>
         <a:spcBef>
-          <a:spcPts val="500"/>
+          <a:spcPts val="1000"/>
         </a:spcBef>
+        <a:buClr>
+          <a:schemeClr val="accent2"/>
+        </a:buClr>
         <a:buFont typeface="Arial" panose="020B0604020202020204" pitchFamily="34" charset="0"/>
         <a:buChar char="•"/>
-        <a:defRPr sz="2400" kern="1200">
+        <a:defRPr sz="1600" kern="1200">
           <a:solidFill>
-            <a:schemeClr val="tx1"/>
+            <a:schemeClr val="tx1">
+              <a:lumMod val="85000"/>
+              <a:lumOff val="15000"/>
+            </a:schemeClr>
           </a:solidFill>
           <a:latin typeface="+mn-lt"/>
           <a:ea typeface="+mn-ea"/>
           <a:cs typeface="+mn-cs"/>
         </a:defRPr>
       </a:lvl2pPr>
-      <a:lvl3pPr marL="1143000" indent="-228600" algn="l" defTabSz="914400" rtl="0" eaLnBrk="1" latinLnBrk="0" hangingPunct="1">
+      <a:lvl3pPr marL="685800" indent="-228600" algn="l" defTabSz="914400" rtl="0" eaLnBrk="1" latinLnBrk="0" hangingPunct="1">
         <a:lnSpc>
-          <a:spcPct val="90000"/>
+          <a:spcPct val="100000"/>
         </a:lnSpc>
         <a:spcBef>
-          <a:spcPts val="500"/>
+          <a:spcPts val="1000"/>
         </a:spcBef>
+        <a:buClr>
+          <a:schemeClr val="accent2"/>
+        </a:buClr>
         <a:buFont typeface="Arial" panose="020B0604020202020204" pitchFamily="34" charset="0"/>
         <a:buChar char="•"/>
-        <a:defRPr sz="2000" kern="1200">
+        <a:defRPr sz="1600" kern="1200">
           <a:solidFill>
-            <a:schemeClr val="tx1"/>
+            <a:schemeClr val="tx1">
+              <a:lumMod val="85000"/>
+              <a:lumOff val="15000"/>
+            </a:schemeClr>
           </a:solidFill>
           <a:latin typeface="+mn-lt"/>
           <a:ea typeface="+mn-ea"/>
           <a:cs typeface="+mn-cs"/>
         </a:defRPr>
       </a:lvl3pPr>
-      <a:lvl4pPr marL="1600200" indent="-228600" algn="l" defTabSz="914400" rtl="0" eaLnBrk="1" latinLnBrk="0" hangingPunct="1">
+      <a:lvl4pPr marL="914400" indent="-228600" algn="l" defTabSz="914400" rtl="0" eaLnBrk="1" latinLnBrk="0" hangingPunct="1">
         <a:lnSpc>
-          <a:spcPct val="90000"/>
+          <a:spcPct val="100000"/>
         </a:lnSpc>
         <a:spcBef>
-          <a:spcPts val="500"/>
+          <a:spcPts val="1000"/>
         </a:spcBef>
+        <a:buClr>
+          <a:schemeClr val="accent2"/>
+        </a:buClr>
         <a:buFont typeface="Arial" panose="020B0604020202020204" pitchFamily="34" charset="0"/>
         <a:buChar char="•"/>
-        <a:defRPr sz="1800" kern="1200">
+        <a:defRPr sz="1600" kern="1200">
           <a:solidFill>
-            <a:schemeClr val="tx1"/>
+            <a:schemeClr val="tx1">
+              <a:lumMod val="85000"/>
+              <a:lumOff val="15000"/>
+            </a:schemeClr>
           </a:solidFill>
           <a:latin typeface="+mn-lt"/>
           <a:ea typeface="+mn-ea"/>
           <a:cs typeface="+mn-cs"/>
         </a:defRPr>
       </a:lvl4pPr>
-      <a:lvl5pPr marL="2057400" indent="-228600" algn="l" defTabSz="914400" rtl="0" eaLnBrk="1" latinLnBrk="0" hangingPunct="1">
+      <a:lvl5pPr marL="1143000" indent="-228600" algn="l" defTabSz="914400" rtl="0" eaLnBrk="1" latinLnBrk="0" hangingPunct="1">
         <a:lnSpc>
-          <a:spcPct val="90000"/>
+          <a:spcPct val="100000"/>
         </a:lnSpc>
         <a:spcBef>
-          <a:spcPts val="500"/>
+          <a:spcPts val="1000"/>
         </a:spcBef>
+        <a:buClr>
+          <a:schemeClr val="accent2"/>
+        </a:buClr>
         <a:buFont typeface="Arial" panose="020B0604020202020204" pitchFamily="34" charset="0"/>
         <a:buChar char="•"/>
-        <a:defRPr sz="1800" kern="1200">
+        <a:defRPr sz="1600" kern="1200">
           <a:solidFill>
-            <a:schemeClr val="tx1"/>
+            <a:schemeClr val="tx1">
+              <a:lumMod val="85000"/>
+              <a:lumOff val="15000"/>
+            </a:schemeClr>
           </a:solidFill>
           <a:latin typeface="+mn-lt"/>
           <a:ea typeface="+mn-ea"/>
           <a:cs typeface="+mn-cs"/>
         </a:defRPr>
       </a:lvl5pPr>
-      <a:lvl6pPr marL="2514600" indent="-228600" algn="l" defTabSz="914400" rtl="0" eaLnBrk="1" latinLnBrk="0" hangingPunct="1">
+      <a:lvl6pPr marL="1312863" indent="-228600" algn="l" defTabSz="914400" rtl="0" eaLnBrk="1" latinLnBrk="0" hangingPunct="1">
         <a:lnSpc>
-          <a:spcPct val="90000"/>
+          <a:spcPct val="100000"/>
         </a:lnSpc>
         <a:spcBef>
-          <a:spcPts val="500"/>
+          <a:spcPts val="1000"/>
         </a:spcBef>
+        <a:buClr>
+          <a:schemeClr val="accent2"/>
+        </a:buClr>
         <a:buFont typeface="Arial" panose="020B0604020202020204" pitchFamily="34" charset="0"/>
         <a:buChar char="•"/>
-        <a:defRPr sz="1800" kern="1200">
+        <a:defRPr sz="1600" kern="1200">
           <a:solidFill>
             <a:schemeClr val="tx1"/>
           </a:solidFill>
@@ -3166,16 +3129,19 @@
           <a:cs typeface="+mn-cs"/>
         </a:defRPr>
       </a:lvl6pPr>
-      <a:lvl7pPr marL="2971800" indent="-228600" algn="l" defTabSz="914400" rtl="0" eaLnBrk="1" latinLnBrk="0" hangingPunct="1">
+      <a:lvl7pPr marL="1484313" indent="-228600" algn="l" defTabSz="914400" rtl="0" eaLnBrk="1" latinLnBrk="0" hangingPunct="1">
         <a:lnSpc>
-          <a:spcPct val="90000"/>
+          <a:spcPct val="100000"/>
         </a:lnSpc>
         <a:spcBef>
-          <a:spcPts val="500"/>
+          <a:spcPts val="1000"/>
         </a:spcBef>
+        <a:buClr>
+          <a:schemeClr val="accent2"/>
+        </a:buClr>
         <a:buFont typeface="Arial" panose="020B0604020202020204" pitchFamily="34" charset="0"/>
         <a:buChar char="•"/>
-        <a:defRPr sz="1800" kern="1200">
+        <a:defRPr sz="1600" kern="1200">
           <a:solidFill>
             <a:schemeClr val="tx1"/>
           </a:solidFill>
@@ -3184,16 +3150,19 @@
           <a:cs typeface="+mn-cs"/>
         </a:defRPr>
       </a:lvl7pPr>
-      <a:lvl8pPr marL="3429000" indent="-228600" algn="l" defTabSz="914400" rtl="0" eaLnBrk="1" latinLnBrk="0" hangingPunct="1">
+      <a:lvl8pPr marL="1657350" indent="-228600" algn="l" defTabSz="914400" rtl="0" eaLnBrk="1" latinLnBrk="0" hangingPunct="1">
         <a:lnSpc>
-          <a:spcPct val="90000"/>
+          <a:spcPct val="100000"/>
         </a:lnSpc>
         <a:spcBef>
-          <a:spcPts val="500"/>
+          <a:spcPts val="1000"/>
         </a:spcBef>
+        <a:buClr>
+          <a:schemeClr val="accent2"/>
+        </a:buClr>
         <a:buFont typeface="Arial" panose="020B0604020202020204" pitchFamily="34" charset="0"/>
         <a:buChar char="•"/>
-        <a:defRPr sz="1800" kern="1200">
+        <a:defRPr sz="1600" kern="1200" baseline="0">
           <a:solidFill>
             <a:schemeClr val="tx1"/>
           </a:solidFill>
@@ -3202,16 +3171,19 @@
           <a:cs typeface="+mn-cs"/>
         </a:defRPr>
       </a:lvl8pPr>
-      <a:lvl9pPr marL="3886200" indent="-228600" algn="l" defTabSz="914400" rtl="0" eaLnBrk="1" latinLnBrk="0" hangingPunct="1">
+      <a:lvl9pPr marL="1882775" indent="-228600" algn="l" defTabSz="914400" rtl="0" eaLnBrk="1" latinLnBrk="0" hangingPunct="1">
         <a:lnSpc>
-          <a:spcPct val="90000"/>
+          <a:spcPct val="100000"/>
         </a:lnSpc>
         <a:spcBef>
-          <a:spcPts val="500"/>
+          <a:spcPts val="1000"/>
         </a:spcBef>
+        <a:buClr>
+          <a:schemeClr val="accent2"/>
+        </a:buClr>
         <a:buFont typeface="Arial" panose="020B0604020202020204" pitchFamily="34" charset="0"/>
         <a:buChar char="•"/>
-        <a:defRPr sz="1800" kern="1200">
+        <a:defRPr sz="1600" kern="1200" baseline="0">
           <a:solidFill>
             <a:schemeClr val="tx1"/>
           </a:solidFill>
@@ -3359,7 +3331,7 @@
           <a:lstStyle/>
           <a:p>
             <a:r>
-              <a:rPr lang="en-US">
+              <a:rPr lang="en-US" dirty="0">
                 <a:latin typeface="Times New Roman" panose="02020603050405020304" pitchFamily="18" charset="0"/>
                 <a:cs typeface="Times New Roman" panose="02020603050405020304" pitchFamily="18" charset="0"/>
               </a:rPr>
@@ -3387,16 +3359,34 @@
         <p:spPr/>
         <p:txBody>
           <a:bodyPr vert="horz" lIns="91440" tIns="45720" rIns="91440" bIns="45720" rtlCol="0" anchor="t">
-            <a:normAutofit/>
+            <a:normAutofit lnSpcReduction="10000"/>
           </a:bodyPr>
           <a:lstStyle/>
           <a:p>
             <a:r>
-              <a:rPr lang="en-US">
+              <a:rPr lang="en-US" dirty="0">
                 <a:latin typeface="Times New Roman" panose="02020603050405020304" pitchFamily="18" charset="0"/>
                 <a:cs typeface="Times New Roman" panose="02020603050405020304" pitchFamily="18" charset="0"/>
               </a:rPr>
-              <a:t>Your pick to help you find your next automobile </a:t>
+              <a:t>Group 5</a:t>
+            </a:r>
+          </a:p>
+          <a:p>
+            <a:r>
+              <a:rPr lang="en-US" dirty="0">
+                <a:latin typeface="Times New Roman" panose="02020603050405020304" pitchFamily="18" charset="0"/>
+                <a:cs typeface="Times New Roman" panose="02020603050405020304" pitchFamily="18" charset="0"/>
+              </a:rPr>
+              <a:t>Davin Kennaley</a:t>
+            </a:r>
+          </a:p>
+          <a:p>
+            <a:r>
+              <a:rPr lang="en-US" dirty="0">
+                <a:latin typeface="Times New Roman" panose="02020603050405020304" pitchFamily="18" charset="0"/>
+                <a:cs typeface="Times New Roman" panose="02020603050405020304" pitchFamily="18" charset="0"/>
+              </a:rPr>
+              <a:t>Danial Asif</a:t>
             </a:r>
           </a:p>
         </p:txBody>
@@ -3760,108 +3750,58 @@
 </file>
 
 <file path=ppt/theme/theme1.xml><?xml version="1.0" encoding="utf-8"?>
-<a:theme xmlns:a="http://schemas.openxmlformats.org/drawingml/2006/main" name="Office Theme">
+<a:theme xmlns:a="http://schemas.openxmlformats.org/drawingml/2006/main" name="Parcel">
   <a:themeElements>
-    <a:clrScheme name="Office">
+    <a:clrScheme name="Parcel">
       <a:dk1>
-        <a:sysClr val="windowText" lastClr="000000"/>
+        <a:srgbClr val="000000"/>
       </a:dk1>
       <a:lt1>
-        <a:sysClr val="window" lastClr="FFFFFF"/>
+        <a:srgbClr val="FFFFFF"/>
       </a:lt1>
       <a:dk2>
-        <a:srgbClr val="0E2841"/>
+        <a:srgbClr val="4A5356"/>
       </a:dk2>
       <a:lt2>
-        <a:srgbClr val="E8E8E8"/>
+        <a:srgbClr val="E8E3CE"/>
       </a:lt2>
       <a:accent1>
-        <a:srgbClr val="156082"/>
+        <a:srgbClr val="F6A21D"/>
       </a:accent1>
       <a:accent2>
-        <a:srgbClr val="E97132"/>
+        <a:srgbClr val="9BAFB5"/>
       </a:accent2>
       <a:accent3>
-        <a:srgbClr val="196B24"/>
+        <a:srgbClr val="C96731"/>
       </a:accent3>
       <a:accent4>
-        <a:srgbClr val="0F9ED5"/>
+        <a:srgbClr val="9CA383"/>
       </a:accent4>
       <a:accent5>
-        <a:srgbClr val="A02B93"/>
+        <a:srgbClr val="87795D"/>
       </a:accent5>
       <a:accent6>
-        <a:srgbClr val="4EA72E"/>
+        <a:srgbClr val="A0988C"/>
       </a:accent6>
       <a:hlink>
-        <a:srgbClr val="467886"/>
+        <a:srgbClr val="00B0F0"/>
       </a:hlink>
       <a:folHlink>
-        <a:srgbClr val="96607D"/>
+        <a:srgbClr val="738F97"/>
       </a:folHlink>
     </a:clrScheme>
-    <a:fontScheme name="Office">
+    <a:fontScheme name="Parcel">
       <a:majorFont>
-        <a:latin typeface="Aptos Display" panose="02110004020202020204"/>
+        <a:latin typeface="Gill Sans MT" panose="020B0502020104020203"/>
         <a:ea typeface=""/>
         <a:cs typeface=""/>
-        <a:font script="Jpan" typeface="游ゴシック Light"/>
-        <a:font script="Hang" typeface="맑은 고딕"/>
-        <a:font script="Hans" typeface="等线 Light"/>
-        <a:font script="Hant" typeface="新細明體"/>
-        <a:font script="Arab" typeface="Times New Roman"/>
-        <a:font script="Hebr" typeface="Times New Roman"/>
-        <a:font script="Thai" typeface="Angsana New"/>
-        <a:font script="Ethi" typeface="Nyala"/>
-        <a:font script="Beng" typeface="Vrinda"/>
-        <a:font script="Gujr" typeface="Shruti"/>
-        <a:font script="Khmr" typeface="MoolBoran"/>
-        <a:font script="Knda" typeface="Tunga"/>
-        <a:font script="Guru" typeface="Raavi"/>
-        <a:font script="Cans" typeface="Euphemia"/>
-        <a:font script="Cher" typeface="Plantagenet Cherokee"/>
-        <a:font script="Yiii" typeface="Microsoft Yi Baiti"/>
-        <a:font script="Tibt" typeface="Microsoft Himalaya"/>
-        <a:font script="Thaa" typeface="MV Boli"/>
-        <a:font script="Deva" typeface="Mangal"/>
-        <a:font script="Telu" typeface="Gautami"/>
-        <a:font script="Taml" typeface="Latha"/>
-        <a:font script="Syrc" typeface="Estrangelo Edessa"/>
-        <a:font script="Orya" typeface="Kalinga"/>
-        <a:font script="Mlym" typeface="Kartika"/>
-        <a:font script="Laoo" typeface="DokChampa"/>
-        <a:font script="Sinh" typeface="Iskoola Pota"/>
-        <a:font script="Mong" typeface="Mongolian Baiti"/>
-        <a:font script="Viet" typeface="Times New Roman"/>
-        <a:font script="Uigh" typeface="Microsoft Uighur"/>
-        <a:font script="Geor" typeface="Sylfaen"/>
-        <a:font script="Armn" typeface="Arial"/>
-        <a:font script="Bugi" typeface="Leelawadee UI"/>
-        <a:font script="Bopo" typeface="Microsoft JhengHei"/>
-        <a:font script="Java" typeface="Javanese Text"/>
-        <a:font script="Lisu" typeface="Segoe UI"/>
-        <a:font script="Mymr" typeface="Myanmar Text"/>
-        <a:font script="Nkoo" typeface="Ebrima"/>
-        <a:font script="Olck" typeface="Nirmala UI"/>
-        <a:font script="Osma" typeface="Ebrima"/>
-        <a:font script="Phag" typeface="Phagspa"/>
-        <a:font script="Syrn" typeface="Estrangelo Edessa"/>
-        <a:font script="Syrj" typeface="Estrangelo Edessa"/>
-        <a:font script="Syre" typeface="Estrangelo Edessa"/>
-        <a:font script="Sora" typeface="Nirmala UI"/>
-        <a:font script="Tale" typeface="Microsoft Tai Le"/>
-        <a:font script="Talu" typeface="Microsoft New Tai Lue"/>
-        <a:font script="Tfng" typeface="Ebrima"/>
-      </a:majorFont>
-      <a:minorFont>
-        <a:latin typeface="Aptos" panose="02110004020202020204"/>
-        <a:ea typeface=""/>
-        <a:cs typeface=""/>
-        <a:font script="Jpan" typeface="游ゴシック"/>
-        <a:font script="Hang" typeface="맑은 고딕"/>
-        <a:font script="Hans" typeface="等线"/>
-        <a:font script="Hant" typeface="新細明體"/>
-        <a:font script="Arab" typeface="Arial"/>
+        <a:font script="Grek" typeface="Corbel"/>
+        <a:font script="Cyrl" typeface="Corbel"/>
+        <a:font script="Jpan" typeface="HGｺﾞｼｯｸE"/>
+        <a:font script="Hang" typeface="휴먼매직체"/>
+        <a:font script="Hans" typeface="华文中宋"/>
+        <a:font script="Hant" typeface="微軟正黑體"/>
+        <a:font script="Arab" typeface="Majalla UI"/>
         <a:font script="Hebr" typeface="Arial"/>
         <a:font script="Thai" typeface="Cordia New"/>
         <a:font script="Ethi" typeface="Nyala"/>
@@ -3884,29 +3824,49 @@
         <a:font script="Laoo" typeface="DokChampa"/>
         <a:font script="Sinh" typeface="Iskoola Pota"/>
         <a:font script="Mong" typeface="Mongolian Baiti"/>
-        <a:font script="Viet" typeface="Arial"/>
+        <a:font script="Viet" typeface="Tahoma"/>
         <a:font script="Uigh" typeface="Microsoft Uighur"/>
         <a:font script="Geor" typeface="Sylfaen"/>
-        <a:font script="Armn" typeface="Arial"/>
-        <a:font script="Bugi" typeface="Leelawadee UI"/>
-        <a:font script="Bopo" typeface="Microsoft JhengHei"/>
-        <a:font script="Java" typeface="Javanese Text"/>
-        <a:font script="Lisu" typeface="Segoe UI"/>
-        <a:font script="Mymr" typeface="Myanmar Text"/>
-        <a:font script="Nkoo" typeface="Ebrima"/>
-        <a:font script="Olck" typeface="Nirmala UI"/>
-        <a:font script="Osma" typeface="Ebrima"/>
-        <a:font script="Phag" typeface="Phagspa"/>
-        <a:font script="Syrn" typeface="Estrangelo Edessa"/>
-        <a:font script="Syrj" typeface="Estrangelo Edessa"/>
-        <a:font script="Syre" typeface="Estrangelo Edessa"/>
-        <a:font script="Sora" typeface="Nirmala UI"/>
-        <a:font script="Tale" typeface="Microsoft Tai Le"/>
-        <a:font script="Talu" typeface="Microsoft New Tai Lue"/>
-        <a:font script="Tfng" typeface="Ebrima"/>
+      </a:majorFont>
+      <a:minorFont>
+        <a:latin typeface="Gill Sans MT" panose="020B0502020104020203"/>
+        <a:ea typeface=""/>
+        <a:cs typeface=""/>
+        <a:font script="Grek" typeface="Corbel"/>
+        <a:font script="Cyrl" typeface="Corbel"/>
+        <a:font script="Jpan" typeface="HGｺﾞｼｯｸE"/>
+        <a:font script="Hang" typeface="휴먼매직체"/>
+        <a:font script="Hans" typeface="华文中宋"/>
+        <a:font script="Hant" typeface="微軟正黑體"/>
+        <a:font script="Arab" typeface="Majalla UI"/>
+        <a:font script="Hebr" typeface="Arial"/>
+        <a:font script="Thai" typeface="Cordia New"/>
+        <a:font script="Ethi" typeface="Nyala"/>
+        <a:font script="Beng" typeface="Vrinda"/>
+        <a:font script="Gujr" typeface="Shruti"/>
+        <a:font script="Khmr" typeface="DaunPenh"/>
+        <a:font script="Knda" typeface="Tunga"/>
+        <a:font script="Guru" typeface="Raavi"/>
+        <a:font script="Cans" typeface="Euphemia"/>
+        <a:font script="Cher" typeface="Plantagenet Cherokee"/>
+        <a:font script="Yiii" typeface="Microsoft Yi Baiti"/>
+        <a:font script="Tibt" typeface="Microsoft Himalaya"/>
+        <a:font script="Thaa" typeface="MV Boli"/>
+        <a:font script="Deva" typeface="Mangal"/>
+        <a:font script="Telu" typeface="Gautami"/>
+        <a:font script="Taml" typeface="Latha"/>
+        <a:font script="Syrc" typeface="Estrangelo Edessa"/>
+        <a:font script="Orya" typeface="Kalinga"/>
+        <a:font script="Mlym" typeface="Kartika"/>
+        <a:font script="Laoo" typeface="DokChampa"/>
+        <a:font script="Sinh" typeface="Iskoola Pota"/>
+        <a:font script="Mong" typeface="Mongolian Baiti"/>
+        <a:font script="Viet" typeface="Tahoma"/>
+        <a:font script="Uigh" typeface="Microsoft Uighur"/>
+        <a:font script="Geor" typeface="Sylfaen"/>
       </a:minorFont>
     </a:fontScheme>
-    <a:fmtScheme name="Office">
+    <a:fmtScheme name="Parcel">
       <a:fillStyleLst>
         <a:solidFill>
           <a:schemeClr val="phClr"/>
@@ -3915,23 +3875,16 @@
           <a:gsLst>
             <a:gs pos="0">
               <a:schemeClr val="phClr">
-                <a:lumMod val="110000"/>
-                <a:satMod val="105000"/>
-                <a:tint val="67000"/>
-              </a:schemeClr>
-            </a:gs>
-            <a:gs pos="50000">
-              <a:schemeClr val="phClr">
-                <a:lumMod val="105000"/>
-                <a:satMod val="103000"/>
-                <a:tint val="73000"/>
+                <a:tint val="80000"/>
+                <a:satMod val="107000"/>
+                <a:lumMod val="103000"/>
               </a:schemeClr>
             </a:gs>
             <a:gs pos="100000">
               <a:schemeClr val="phClr">
-                <a:lumMod val="105000"/>
+                <a:tint val="82000"/>
                 <a:satMod val="109000"/>
-                <a:tint val="81000"/>
+                <a:lumMod val="103000"/>
               </a:schemeClr>
             </a:gs>
           </a:gsLst>
@@ -3941,23 +3894,23 @@
           <a:gsLst>
             <a:gs pos="0">
               <a:schemeClr val="phClr">
-                <a:satMod val="103000"/>
+                <a:tint val="97000"/>
+                <a:satMod val="100000"/>
                 <a:lumMod val="102000"/>
-                <a:tint val="94000"/>
               </a:schemeClr>
             </a:gs>
             <a:gs pos="50000">
               <a:schemeClr val="phClr">
-                <a:satMod val="110000"/>
+                <a:shade val="100000"/>
+                <a:satMod val="103000"/>
                 <a:lumMod val="100000"/>
-                <a:shade val="100000"/>
               </a:schemeClr>
             </a:gs>
             <a:gs pos="100000">
               <a:schemeClr val="phClr">
+                <a:shade val="93000"/>
+                <a:satMod val="110000"/>
                 <a:lumMod val="99000"/>
-                <a:satMod val="120000"/>
-                <a:shade val="78000"/>
               </a:schemeClr>
             </a:gs>
           </a:gsLst>
@@ -3965,26 +3918,23 @@
         </a:gradFill>
       </a:fillStyleLst>
       <a:lnStyleLst>
+        <a:ln w="6350" cap="flat" cmpd="sng" algn="ctr">
+          <a:solidFill>
+            <a:schemeClr val="phClr"/>
+          </a:solidFill>
+          <a:prstDash val="solid"/>
+        </a:ln>
         <a:ln w="12700" cap="flat" cmpd="sng" algn="ctr">
           <a:solidFill>
             <a:schemeClr val="phClr"/>
           </a:solidFill>
           <a:prstDash val="solid"/>
-          <a:miter lim="800000"/>
         </a:ln>
-        <a:ln w="19050" cap="flat" cmpd="sng" algn="ctr">
+        <a:ln w="31750" cap="flat" cmpd="sng" algn="ctr">
           <a:solidFill>
             <a:schemeClr val="phClr"/>
           </a:solidFill>
           <a:prstDash val="solid"/>
-          <a:miter lim="800000"/>
-        </a:ln>
-        <a:ln w="25400" cap="flat" cmpd="sng" algn="ctr">
-          <a:solidFill>
-            <a:schemeClr val="phClr"/>
-          </a:solidFill>
-          <a:prstDash val="solid"/>
-          <a:miter lim="800000"/>
         </a:ln>
       </a:lnStyleLst>
       <a:effectStyleLst>
@@ -3996,12 +3946,21 @@
         </a:effectStyle>
         <a:effectStyle>
           <a:effectLst>
-            <a:outerShdw blurRad="57150" dist="19050" dir="5400000" algn="ctr" rotWithShape="0">
+            <a:outerShdw blurRad="55880" dist="15240" dir="5400000" algn="ctr" rotWithShape="0">
               <a:srgbClr val="000000">
-                <a:alpha val="63000"/>
+                <a:alpha val="45000"/>
               </a:srgbClr>
             </a:outerShdw>
           </a:effectLst>
+          <a:scene3d>
+            <a:camera prst="orthographicFront">
+              <a:rot lat="0" lon="0" rev="0"/>
+            </a:camera>
+            <a:lightRig rig="brightRoom" dir="tl"/>
+          </a:scene3d>
+          <a:sp3d prstMaterial="dkEdge">
+            <a:bevelT w="0" h="0"/>
+          </a:sp3d>
         </a:effectStyle>
       </a:effectStyleLst>
       <a:bgFillStyleLst>
@@ -4018,57 +3977,33 @@
           <a:gsLst>
             <a:gs pos="0">
               <a:schemeClr val="phClr">
-                <a:tint val="93000"/>
-                <a:satMod val="150000"/>
-                <a:shade val="98000"/>
-                <a:lumMod val="102000"/>
-              </a:schemeClr>
-            </a:gs>
-            <a:gs pos="50000">
-              <a:schemeClr val="phClr">
-                <a:tint val="98000"/>
-                <a:satMod val="130000"/>
-                <a:shade val="90000"/>
-                <a:lumMod val="103000"/>
+                <a:tint val="97000"/>
+                <a:shade val="100000"/>
+                <a:satMod val="185000"/>
+                <a:lumMod val="120000"/>
               </a:schemeClr>
             </a:gs>
             <a:gs pos="100000">
               <a:schemeClr val="phClr">
-                <a:shade val="63000"/>
-                <a:satMod val="120000"/>
+                <a:tint val="96000"/>
+                <a:shade val="95000"/>
+                <a:satMod val="215000"/>
+                <a:lumMod val="80000"/>
               </a:schemeClr>
             </a:gs>
           </a:gsLst>
-          <a:lin ang="5400000" scaled="0"/>
+          <a:path path="circle">
+            <a:fillToRect l="50000" t="55000" r="125000" b="100000"/>
+          </a:path>
         </a:gradFill>
       </a:bgFillStyleLst>
     </a:fmtScheme>
   </a:themeElements>
-  <a:objectDefaults>
-    <a:lnDef>
-      <a:spPr/>
-      <a:bodyPr/>
-      <a:lstStyle/>
-      <a:style>
-        <a:lnRef idx="2">
-          <a:schemeClr val="accent1"/>
-        </a:lnRef>
-        <a:fillRef idx="0">
-          <a:schemeClr val="accent1"/>
-        </a:fillRef>
-        <a:effectRef idx="1">
-          <a:schemeClr val="accent1"/>
-        </a:effectRef>
-        <a:fontRef idx="minor">
-          <a:schemeClr val="tx1"/>
-        </a:fontRef>
-      </a:style>
-    </a:lnDef>
-  </a:objectDefaults>
+  <a:objectDefaults/>
   <a:extraClrSchemeLst/>
   <a:extLst>
     <a:ext uri="{05A4C25C-085E-4340-85A3-A5531E510DB2}">
-      <thm15:themeFamily xmlns:thm15="http://schemas.microsoft.com/office/thememl/2012/main" name="Office Theme" id="{2E142A2C-CD16-42D6-873A-C26D2A0506FA}" vid="{1BDDFF52-6CD6-40A5-AB3C-68EB2F1E4D0A}"/>
+      <thm15:themeFamily xmlns:thm15="http://schemas.microsoft.com/office/thememl/2012/main" name="Parcel" id="{8BEC4385-4EB9-4D53-BFB5-0EA123736B6D}" vid="{4DB32801-28C0-48B0-8C1D-A9A58613615A}"/>
     </a:ext>
   </a:extLst>
 </a:theme>
